--- a/курсач.pptx
+++ b/курсач.pptx
@@ -5,16 +5,21 @@
     <p:sldMasterId id="2147483648" r:id="rId1"/>
   </p:sldMasterIdLst>
   <p:notesMasterIdLst>
-    <p:notesMasterId r:id="rId9"/>
+    <p:notesMasterId r:id="rId14"/>
   </p:notesMasterIdLst>
   <p:sldIdLst>
     <p:sldId id="256" r:id="rId2"/>
     <p:sldId id="257" r:id="rId3"/>
     <p:sldId id="258" r:id="rId4"/>
-    <p:sldId id="259" r:id="rId5"/>
-    <p:sldId id="266" r:id="rId6"/>
-    <p:sldId id="267" r:id="rId7"/>
-    <p:sldId id="265" r:id="rId8"/>
+    <p:sldId id="268" r:id="rId5"/>
+    <p:sldId id="271" r:id="rId6"/>
+    <p:sldId id="269" r:id="rId7"/>
+    <p:sldId id="270" r:id="rId8"/>
+    <p:sldId id="272" r:id="rId9"/>
+    <p:sldId id="267" r:id="rId10"/>
+    <p:sldId id="259" r:id="rId11"/>
+    <p:sldId id="266" r:id="rId12"/>
+    <p:sldId id="265" r:id="rId13"/>
   </p:sldIdLst>
   <p:sldSz cx="12192000" cy="6858000"/>
   <p:notesSz cx="6858000" cy="9144000"/>
@@ -248,6 +253,9 @@
     </a:lvl9pPr>
   </p:defaultTextStyle>
   <p:extLst>
+    <p:ext uri="{EFAFB233-063F-42B5-8137-9DF3F51BA10A}">
+      <p15:sldGuideLst xmlns:p15="http://schemas.microsoft.com/office/powerpoint/2012/main"/>
+    </p:ext>
     <p:ext uri="GoogleSlidesCustomDataVersion2">
       <go:slidesCustomData xmlns:go="http://customooxmlschemas.google.com/" xmlns:ahyp="http://schemas.microsoft.com/office/drawing/2018/hyperlinkcolor" xmlns:p15="http://schemas.microsoft.com/office/powerpoint/2012/main" xmlns:p14="http://schemas.microsoft.com/office/powerpoint/2010/main" xmlns:com="http://schemas.openxmlformats.org/drawingml/2006/compatibility" xmlns:pvml="urn:schemas-microsoft-com:office:powerpoint" xmlns:v="urn:schemas-microsoft-com:vml" xmlns:o="urn:schemas-microsoft-com:office:office" xmlns:dgm="http://schemas.openxmlformats.org/drawingml/2006/diagram" xmlns:c="http://schemas.openxmlformats.org/drawingml/2006/chart" xmlns:mv="urn:schemas-microsoft-com:mac:vml" xmlns:mc="http://schemas.openxmlformats.org/markup-compatibility/2006" xmlns="" r:id="rId15" roundtripDataSignature="AMtx7mgFCwpQtMFDqWWMPY+APgpw5jiLJQ=="/>
     </p:ext>
@@ -11996,1222 +12004,7 @@
 </p:sld>
 </file>
 
-<file path=ppt/slides/slide2.xml><?xml version="1.0" encoding="utf-8"?>
-<p:sld xmlns:a="http://schemas.openxmlformats.org/drawingml/2006/main" xmlns:r="http://schemas.openxmlformats.org/officeDocument/2006/relationships" xmlns:p="http://schemas.openxmlformats.org/presentationml/2006/main">
-  <p:cSld>
-    <p:spTree>
-      <p:nvGrpSpPr>
-        <p:cNvPr id="1" name="Shape 91"/>
-        <p:cNvGrpSpPr/>
-        <p:nvPr/>
-      </p:nvGrpSpPr>
-      <p:grpSpPr>
-        <a:xfrm>
-          <a:off x="0" y="0"/>
-          <a:ext cx="0" cy="0"/>
-          <a:chOff x="0" y="0"/>
-          <a:chExt cx="0" cy="0"/>
-        </a:xfrm>
-      </p:grpSpPr>
-      <p:sp>
-        <p:nvSpPr>
-          <p:cNvPr id="92" name="Google Shape;92;p2"/>
-          <p:cNvSpPr txBox="1">
-            <a:spLocks noGrp="1"/>
-          </p:cNvSpPr>
-          <p:nvPr>
-            <p:ph type="title"/>
-          </p:nvPr>
-        </p:nvSpPr>
-        <p:spPr>
-          <a:xfrm>
-            <a:off x="838200" y="365126"/>
-            <a:ext cx="10515600" cy="530614"/>
-          </a:xfrm>
-          <a:prstGeom prst="rect">
-            <a:avLst/>
-          </a:prstGeom>
-          <a:noFill/>
-          <a:ln>
-            <a:noFill/>
-          </a:ln>
-        </p:spPr>
-        <p:txBody>
-          <a:bodyPr spcFirstLastPara="1" wrap="square" lIns="91425" tIns="45700" rIns="91425" bIns="45700" anchor="ctr" anchorCtr="0">
-            <a:normAutofit/>
-          </a:bodyPr>
-          <a:lstStyle/>
-          <a:p>
-            <a:pPr marL="0" lvl="0" indent="0" algn="ctr" rtl="0">
-              <a:lnSpc>
-                <a:spcPct val="90000"/>
-              </a:lnSpc>
-              <a:spcBef>
-                <a:spcPts val="0"/>
-              </a:spcBef>
-              <a:spcAft>
-                <a:spcPts val="0"/>
-              </a:spcAft>
-              <a:buClr>
-                <a:schemeClr val="dk1"/>
-              </a:buClr>
-              <a:buSzPts val="2400"/>
-              <a:buFont typeface="Times New Roman"/>
-              <a:buNone/>
-            </a:pPr>
-            <a:r>
-              <a:rPr lang="uk-UA" sz="2400" b="1" cap="none">
-                <a:latin typeface="Times New Roman"/>
-                <a:ea typeface="Times New Roman"/>
-                <a:cs typeface="Times New Roman"/>
-                <a:sym typeface="Times New Roman"/>
-              </a:rPr>
-              <a:t>ЗАВДАННЯ </a:t>
-            </a:r>
-            <a:r>
-              <a:rPr lang="uk-UA" sz="2400" b="1">
-                <a:latin typeface="Times New Roman"/>
-                <a:ea typeface="Times New Roman"/>
-                <a:cs typeface="Times New Roman"/>
-                <a:sym typeface="Times New Roman"/>
-              </a:rPr>
-              <a:t>КУРСОВОЇ РОБОТИ</a:t>
-            </a:r>
-            <a:endParaRPr sz="2400" b="1" cap="none">
-              <a:latin typeface="Times New Roman"/>
-              <a:ea typeface="Times New Roman"/>
-              <a:cs typeface="Times New Roman"/>
-              <a:sym typeface="Times New Roman"/>
-            </a:endParaRPr>
-          </a:p>
-        </p:txBody>
-      </p:sp>
-      <p:sp>
-        <p:nvSpPr>
-          <p:cNvPr id="93" name="Google Shape;93;p2"/>
-          <p:cNvSpPr txBox="1"/>
-          <p:nvPr/>
-        </p:nvSpPr>
-        <p:spPr>
-          <a:xfrm>
-            <a:off x="424967" y="771049"/>
-            <a:ext cx="11342100" cy="3309300"/>
-          </a:xfrm>
-          <a:prstGeom prst="rect">
-            <a:avLst/>
-          </a:prstGeom>
-          <a:noFill/>
-          <a:ln>
-            <a:noFill/>
-          </a:ln>
-        </p:spPr>
-        <p:txBody>
-          <a:bodyPr spcFirstLastPara="1" wrap="square" lIns="91425" tIns="45700" rIns="91425" bIns="45700" anchor="t" anchorCtr="0">
-            <a:spAutoFit/>
-          </a:bodyPr>
-          <a:lstStyle/>
-          <a:p>
-            <a:pPr marL="0" marR="0" lvl="0" indent="0" algn="l" rtl="0">
-              <a:spcBef>
-                <a:spcPts val="0"/>
-              </a:spcBef>
-              <a:spcAft>
-                <a:spcPts val="0"/>
-              </a:spcAft>
-              <a:buNone/>
-            </a:pPr>
-            <a:r>
-              <a:rPr lang="uk-UA" sz="1600" b="1" i="0" u="none" strike="noStrike" cap="none" dirty="0">
-                <a:solidFill>
-                  <a:schemeClr val="dk1"/>
-                </a:solidFill>
-                <a:latin typeface="Times New Roman"/>
-                <a:ea typeface="Times New Roman"/>
-                <a:cs typeface="Times New Roman"/>
-                <a:sym typeface="Times New Roman"/>
-              </a:rPr>
-              <a:t>Загальні завдання:</a:t>
-            </a:r>
-            <a:endParaRPr dirty="0"/>
-          </a:p>
-          <a:p>
-            <a:pPr marL="285750" marR="0" lvl="0" indent="-285750" algn="l" rtl="0">
-              <a:spcBef>
-                <a:spcPts val="0"/>
-              </a:spcBef>
-              <a:spcAft>
-                <a:spcPts val="0"/>
-              </a:spcAft>
-              <a:buClr>
-                <a:schemeClr val="dk1"/>
-              </a:buClr>
-              <a:buSzPts val="1600"/>
-              <a:buFont typeface="Arial"/>
-              <a:buChar char="•"/>
-            </a:pPr>
-            <a:r>
-              <a:rPr lang="uk-UA" sz="1600" b="0" i="0" u="none" strike="noStrike" cap="none" dirty="0">
-                <a:solidFill>
-                  <a:schemeClr val="dk1"/>
-                </a:solidFill>
-                <a:latin typeface="Times New Roman"/>
-                <a:ea typeface="Times New Roman"/>
-                <a:cs typeface="Times New Roman"/>
-                <a:sym typeface="Times New Roman"/>
-              </a:rPr>
-              <a:t>ознайомлення з </a:t>
-            </a:r>
-            <a:r>
-              <a:rPr lang="uk-UA" sz="1600" dirty="0">
-                <a:solidFill>
-                  <a:schemeClr val="dk1"/>
-                </a:solidFill>
-                <a:latin typeface="Times New Roman"/>
-                <a:ea typeface="Times New Roman"/>
-                <a:cs typeface="Times New Roman"/>
-                <a:sym typeface="Times New Roman"/>
-              </a:rPr>
-              <a:t>мовою програмування Java</a:t>
-            </a:r>
-            <a:r>
-              <a:rPr lang="uk-UA" sz="1600" b="0" i="0" u="none" strike="noStrike" cap="none" dirty="0">
-                <a:solidFill>
-                  <a:schemeClr val="dk1"/>
-                </a:solidFill>
-                <a:latin typeface="Times New Roman"/>
-                <a:ea typeface="Times New Roman"/>
-                <a:cs typeface="Times New Roman"/>
-                <a:sym typeface="Times New Roman"/>
-              </a:rPr>
-              <a:t>; </a:t>
-            </a:r>
-            <a:endParaRPr dirty="0"/>
-          </a:p>
-          <a:p>
-            <a:pPr marL="285750" marR="0" lvl="0" indent="-285750" algn="l" rtl="0">
-              <a:spcBef>
-                <a:spcPts val="0"/>
-              </a:spcBef>
-              <a:spcAft>
-                <a:spcPts val="0"/>
-              </a:spcAft>
-              <a:buClr>
-                <a:schemeClr val="dk1"/>
-              </a:buClr>
-              <a:buSzPts val="1600"/>
-              <a:buFont typeface="Arial"/>
-              <a:buChar char="•"/>
-            </a:pPr>
-            <a:r>
-              <a:rPr lang="uk-UA" sz="1600" b="0" i="0" u="none" strike="noStrike" cap="none" dirty="0">
-                <a:solidFill>
-                  <a:schemeClr val="dk1"/>
-                </a:solidFill>
-                <a:latin typeface="Times New Roman"/>
-                <a:ea typeface="Times New Roman"/>
-                <a:cs typeface="Times New Roman"/>
-                <a:sym typeface="Times New Roman"/>
-              </a:rPr>
-              <a:t>отримання практичних навичок у застосуванні технологій проектування та розробки програмного забезпечення</a:t>
-            </a:r>
-            <a:r>
-              <a:rPr lang="uk-UA" sz="1600" dirty="0">
-                <a:solidFill>
-                  <a:schemeClr val="dk1"/>
-                </a:solidFill>
-                <a:latin typeface="Times New Roman"/>
-                <a:ea typeface="Times New Roman"/>
-                <a:cs typeface="Times New Roman"/>
-                <a:sym typeface="Times New Roman"/>
-              </a:rPr>
-              <a:t>;</a:t>
-            </a:r>
-            <a:endParaRPr dirty="0"/>
-          </a:p>
-          <a:p>
-            <a:pPr marL="285750" marR="0" lvl="0" indent="-285750" algn="l" rtl="0">
-              <a:spcBef>
-                <a:spcPts val="0"/>
-              </a:spcBef>
-              <a:spcAft>
-                <a:spcPts val="0"/>
-              </a:spcAft>
-              <a:buClr>
-                <a:schemeClr val="dk1"/>
-              </a:buClr>
-              <a:buSzPts val="1600"/>
-              <a:buFont typeface="Arial"/>
-              <a:buChar char="•"/>
-            </a:pPr>
-            <a:r>
-              <a:rPr lang="uk-UA" sz="1600" b="0" i="0" u="none" strike="noStrike" cap="none" dirty="0">
-                <a:solidFill>
-                  <a:schemeClr val="dk1"/>
-                </a:solidFill>
-                <a:latin typeface="Times New Roman"/>
-                <a:ea typeface="Times New Roman"/>
-                <a:cs typeface="Times New Roman"/>
-                <a:sym typeface="Times New Roman"/>
-              </a:rPr>
-              <a:t>закріплення навичок вирішення інженерних завдань із застосуванням методів та засобів інженерії програмного забезпечення; </a:t>
-            </a:r>
-            <a:endParaRPr dirty="0"/>
-          </a:p>
-          <a:p>
-            <a:pPr marL="285750" marR="0" lvl="0" indent="-285750" algn="l" rtl="0">
-              <a:spcBef>
-                <a:spcPts val="0"/>
-              </a:spcBef>
-              <a:spcAft>
-                <a:spcPts val="0"/>
-              </a:spcAft>
-              <a:buClr>
-                <a:schemeClr val="dk1"/>
-              </a:buClr>
-              <a:buSzPts val="1600"/>
-              <a:buFont typeface="Arial"/>
-              <a:buChar char="•"/>
-            </a:pPr>
-            <a:r>
-              <a:rPr lang="uk-UA" sz="1600" b="0" i="0" u="none" strike="noStrike" cap="none" dirty="0">
-                <a:solidFill>
-                  <a:schemeClr val="dk1"/>
-                </a:solidFill>
-                <a:latin typeface="Times New Roman"/>
-                <a:ea typeface="Times New Roman"/>
-                <a:cs typeface="Times New Roman"/>
-                <a:sym typeface="Times New Roman"/>
-              </a:rPr>
-              <a:t>отримання та закріплення навичок проектування та розробки </a:t>
-            </a:r>
-            <a:r>
-              <a:rPr lang="uk-UA" sz="1600" i="1" dirty="0">
-                <a:solidFill>
-                  <a:schemeClr val="dk1"/>
-                </a:solidFill>
-                <a:latin typeface="Times New Roman"/>
-                <a:ea typeface="Times New Roman"/>
-                <a:cs typeface="Times New Roman"/>
-                <a:sym typeface="Times New Roman"/>
-              </a:rPr>
-              <a:t>застосунків;</a:t>
-            </a:r>
-            <a:endParaRPr dirty="0">
-              <a:solidFill>
-                <a:schemeClr val="dk1"/>
-              </a:solidFill>
-            </a:endParaRPr>
-          </a:p>
-          <a:p>
-            <a:pPr marL="0" marR="0" lvl="0" indent="0" algn="l" rtl="0">
-              <a:spcBef>
-                <a:spcPts val="0"/>
-              </a:spcBef>
-              <a:spcAft>
-                <a:spcPts val="0"/>
-              </a:spcAft>
-              <a:buNone/>
-            </a:pPr>
-            <a:endParaRPr dirty="0"/>
-          </a:p>
-          <a:p>
-            <a:pPr marL="0" marR="0" lvl="0" indent="0" algn="l" rtl="0">
-              <a:spcBef>
-                <a:spcPts val="0"/>
-              </a:spcBef>
-              <a:spcAft>
-                <a:spcPts val="0"/>
-              </a:spcAft>
-              <a:buNone/>
-            </a:pPr>
-            <a:endParaRPr sz="1600" b="1" dirty="0">
-              <a:solidFill>
-                <a:schemeClr val="dk1"/>
-              </a:solidFill>
-              <a:latin typeface="Times New Roman"/>
-              <a:ea typeface="Times New Roman"/>
-              <a:cs typeface="Times New Roman"/>
-              <a:sym typeface="Times New Roman"/>
-            </a:endParaRPr>
-          </a:p>
-          <a:p>
-            <a:pPr marL="0" marR="0" lvl="0" indent="0" algn="l" rtl="0">
-              <a:spcBef>
-                <a:spcPts val="0"/>
-              </a:spcBef>
-              <a:spcAft>
-                <a:spcPts val="0"/>
-              </a:spcAft>
-              <a:buNone/>
-            </a:pPr>
-            <a:r>
-              <a:rPr lang="uk-UA" sz="1600" b="1" dirty="0">
-                <a:solidFill>
-                  <a:schemeClr val="dk1"/>
-                </a:solidFill>
-                <a:latin typeface="Times New Roman"/>
-                <a:ea typeface="Times New Roman"/>
-                <a:cs typeface="Times New Roman"/>
-                <a:sym typeface="Times New Roman"/>
-              </a:rPr>
-              <a:t>Назва та призначення проекту: </a:t>
-            </a:r>
-            <a:r>
-              <a:rPr lang="en-US" sz="1600" dirty="0" smtClean="0">
-                <a:solidFill>
-                  <a:schemeClr val="dk1"/>
-                </a:solidFill>
-                <a:latin typeface="Times New Roman"/>
-                <a:ea typeface="Times New Roman"/>
-                <a:cs typeface="Times New Roman"/>
-                <a:sym typeface="Times New Roman"/>
-              </a:rPr>
-              <a:t>BuildingApp</a:t>
-            </a:r>
-            <a:endParaRPr dirty="0">
-              <a:solidFill>
-                <a:schemeClr val="dk1"/>
-              </a:solidFill>
-            </a:endParaRPr>
-          </a:p>
-          <a:p>
-            <a:pPr marL="0" marR="0" lvl="0" indent="0" algn="l" rtl="0">
-              <a:spcBef>
-                <a:spcPts val="0"/>
-              </a:spcBef>
-              <a:spcAft>
-                <a:spcPts val="0"/>
-              </a:spcAft>
-              <a:buNone/>
-            </a:pPr>
-            <a:endParaRPr sz="1600" dirty="0">
-              <a:solidFill>
-                <a:schemeClr val="dk1"/>
-              </a:solidFill>
-              <a:latin typeface="Times New Roman"/>
-              <a:ea typeface="Times New Roman"/>
-              <a:cs typeface="Times New Roman"/>
-              <a:sym typeface="Times New Roman"/>
-            </a:endParaRPr>
-          </a:p>
-          <a:p>
-            <a:pPr marL="457200" lvl="0" indent="0" algn="just" rtl="0">
-              <a:lnSpc>
-                <a:spcPct val="150000"/>
-              </a:lnSpc>
-              <a:spcBef>
-                <a:spcPts val="0"/>
-              </a:spcBef>
-              <a:spcAft>
-                <a:spcPts val="0"/>
-              </a:spcAft>
-              <a:buNone/>
-            </a:pPr>
-            <a:endParaRPr dirty="0"/>
-          </a:p>
-          <a:p>
-            <a:pPr marL="457200" marR="0" lvl="0" indent="0" algn="l" rtl="0">
-              <a:spcBef>
-                <a:spcPts val="0"/>
-              </a:spcBef>
-              <a:spcAft>
-                <a:spcPts val="0"/>
-              </a:spcAft>
-              <a:buNone/>
-            </a:pPr>
-            <a:endParaRPr dirty="0"/>
-          </a:p>
-          <a:p>
-            <a:pPr marL="0" marR="0" lvl="0" indent="0" algn="l" rtl="0">
-              <a:spcBef>
-                <a:spcPts val="0"/>
-              </a:spcBef>
-              <a:spcAft>
-                <a:spcPts val="0"/>
-              </a:spcAft>
-              <a:buNone/>
-            </a:pPr>
-            <a:endParaRPr sz="1600" dirty="0">
-              <a:solidFill>
-                <a:srgbClr val="FF0000"/>
-              </a:solidFill>
-              <a:latin typeface="Times New Roman"/>
-              <a:ea typeface="Times New Roman"/>
-              <a:cs typeface="Times New Roman"/>
-              <a:sym typeface="Times New Roman"/>
-            </a:endParaRPr>
-          </a:p>
-        </p:txBody>
-      </p:sp>
-    </p:spTree>
-  </p:cSld>
-  <p:clrMapOvr>
-    <a:masterClrMapping/>
-  </p:clrMapOvr>
-</p:sld>
-</file>
-
-<file path=ppt/slides/slide3.xml><?xml version="1.0" encoding="utf-8"?>
-<p:sld xmlns:a="http://schemas.openxmlformats.org/drawingml/2006/main" xmlns:r="http://schemas.openxmlformats.org/officeDocument/2006/relationships" xmlns:p="http://schemas.openxmlformats.org/presentationml/2006/main">
-  <p:cSld>
-    <p:spTree>
-      <p:nvGrpSpPr>
-        <p:cNvPr id="1" name="Shape 97"/>
-        <p:cNvGrpSpPr/>
-        <p:nvPr/>
-      </p:nvGrpSpPr>
-      <p:grpSpPr>
-        <a:xfrm>
-          <a:off x="0" y="0"/>
-          <a:ext cx="0" cy="0"/>
-          <a:chOff x="0" y="0"/>
-          <a:chExt cx="0" cy="0"/>
-        </a:xfrm>
-      </p:grpSpPr>
-      <p:sp>
-        <p:nvSpPr>
-          <p:cNvPr id="98" name="Google Shape;98;p7"/>
-          <p:cNvSpPr txBox="1">
-            <a:spLocks noGrp="1"/>
-          </p:cNvSpPr>
-          <p:nvPr>
-            <p:ph type="title"/>
-          </p:nvPr>
-        </p:nvSpPr>
-        <p:spPr>
-          <a:xfrm>
-            <a:off x="838200" y="365125"/>
-            <a:ext cx="10515600" cy="604693"/>
-          </a:xfrm>
-          <a:prstGeom prst="rect">
-            <a:avLst/>
-          </a:prstGeom>
-          <a:noFill/>
-          <a:ln>
-            <a:noFill/>
-          </a:ln>
-        </p:spPr>
-        <p:txBody>
-          <a:bodyPr spcFirstLastPara="1" wrap="square" lIns="91425" tIns="45700" rIns="91425" bIns="45700" anchor="ctr" anchorCtr="0">
-            <a:normAutofit/>
-          </a:bodyPr>
-          <a:lstStyle/>
-          <a:p>
-            <a:pPr marL="0" lvl="0" indent="0" algn="ctr" rtl="0">
-              <a:lnSpc>
-                <a:spcPct val="90000"/>
-              </a:lnSpc>
-              <a:spcBef>
-                <a:spcPts val="0"/>
-              </a:spcBef>
-              <a:spcAft>
-                <a:spcPts val="0"/>
-              </a:spcAft>
-              <a:buClr>
-                <a:srgbClr val="000000"/>
-              </a:buClr>
-              <a:buSzPts val="2400"/>
-              <a:buFont typeface="Times New Roman"/>
-              <a:buNone/>
-            </a:pPr>
-            <a:r>
-              <a:rPr lang="uk-UA" sz="2400" b="1">
-                <a:solidFill>
-                  <a:srgbClr val="000000"/>
-                </a:solidFill>
-                <a:latin typeface="Times New Roman"/>
-                <a:ea typeface="Times New Roman"/>
-                <a:cs typeface="Times New Roman"/>
-                <a:sym typeface="Times New Roman"/>
-              </a:rPr>
-              <a:t>ОГЛЯД ПРОГРАМНОГО ЗАБЕЗПЕЧЕННЯ</a:t>
-            </a:r>
-            <a:endParaRPr sz="2400" b="1">
-              <a:solidFill>
-                <a:srgbClr val="FF0000"/>
-              </a:solidFill>
-            </a:endParaRPr>
-          </a:p>
-        </p:txBody>
-      </p:sp>
-      <p:sp>
-        <p:nvSpPr>
-          <p:cNvPr id="99" name="Google Shape;99;p7"/>
-          <p:cNvSpPr txBox="1"/>
-          <p:nvPr/>
-        </p:nvSpPr>
-        <p:spPr>
-          <a:xfrm>
-            <a:off x="0" y="2714950"/>
-            <a:ext cx="3281100" cy="3681900"/>
-          </a:xfrm>
-          <a:prstGeom prst="rect">
-            <a:avLst/>
-          </a:prstGeom>
-          <a:noFill/>
-          <a:ln>
-            <a:noFill/>
-          </a:ln>
-        </p:spPr>
-        <p:txBody>
-          <a:bodyPr spcFirstLastPara="1" wrap="square" lIns="91425" tIns="91425" rIns="91425" bIns="91425" anchor="t" anchorCtr="0">
-            <a:spAutoFit/>
-          </a:bodyPr>
-          <a:lstStyle/>
-          <a:p>
-            <a:pPr marL="457200" lvl="0" indent="0" algn="l" rtl="0">
-              <a:lnSpc>
-                <a:spcPct val="115000"/>
-              </a:lnSpc>
-              <a:spcBef>
-                <a:spcPts val="1200"/>
-              </a:spcBef>
-              <a:spcAft>
-                <a:spcPts val="0"/>
-              </a:spcAft>
-              <a:buNone/>
-            </a:pPr>
-            <a:r>
-              <a:rPr lang="uk-UA" b="1">
-                <a:solidFill>
-                  <a:schemeClr val="dk1"/>
-                </a:solidFill>
-                <a:latin typeface="Times New Roman"/>
-                <a:ea typeface="Times New Roman"/>
-                <a:cs typeface="Times New Roman"/>
-                <a:sym typeface="Times New Roman"/>
-              </a:rPr>
-              <a:t>Android Studio</a:t>
-            </a:r>
-            <a:br>
-              <a:rPr lang="uk-UA" b="1">
-                <a:solidFill>
-                  <a:schemeClr val="dk1"/>
-                </a:solidFill>
-                <a:latin typeface="Times New Roman"/>
-                <a:ea typeface="Times New Roman"/>
-                <a:cs typeface="Times New Roman"/>
-                <a:sym typeface="Times New Roman"/>
-              </a:rPr>
-            </a:br>
-            <a:r>
-              <a:rPr lang="uk-UA">
-                <a:solidFill>
-                  <a:schemeClr val="dk1"/>
-                </a:solidFill>
-                <a:latin typeface="Times New Roman"/>
-                <a:ea typeface="Times New Roman"/>
-                <a:cs typeface="Times New Roman"/>
-                <a:sym typeface="Times New Roman"/>
-              </a:rPr>
-              <a:t>IDE для розробки на різних мовах програмування, включаючи Java, Kotlin, та інші. Особливості:</a:t>
-            </a:r>
-            <a:endParaRPr>
-              <a:solidFill>
-                <a:schemeClr val="dk1"/>
-              </a:solidFill>
-              <a:latin typeface="Times New Roman"/>
-              <a:ea typeface="Times New Roman"/>
-              <a:cs typeface="Times New Roman"/>
-              <a:sym typeface="Times New Roman"/>
-            </a:endParaRPr>
-          </a:p>
-          <a:p>
-            <a:pPr marL="914400" lvl="1" indent="-298450" algn="l" rtl="0">
-              <a:lnSpc>
-                <a:spcPct val="115000"/>
-              </a:lnSpc>
-              <a:spcBef>
-                <a:spcPts val="1200"/>
-              </a:spcBef>
-              <a:spcAft>
-                <a:spcPts val="0"/>
-              </a:spcAft>
-              <a:buClr>
-                <a:schemeClr val="dk1"/>
-              </a:buClr>
-              <a:buSzPts val="1100"/>
-              <a:buChar char="○"/>
-            </a:pPr>
-            <a:r>
-              <a:rPr lang="uk-UA">
-                <a:solidFill>
-                  <a:schemeClr val="dk1"/>
-                </a:solidFill>
-                <a:latin typeface="Times New Roman"/>
-                <a:ea typeface="Times New Roman"/>
-                <a:cs typeface="Times New Roman"/>
-                <a:sym typeface="Times New Roman"/>
-              </a:rPr>
-              <a:t>Інтегрована підтримка різних мов програмування.</a:t>
-            </a:r>
-            <a:endParaRPr>
-              <a:solidFill>
-                <a:schemeClr val="dk1"/>
-              </a:solidFill>
-              <a:latin typeface="Times New Roman"/>
-              <a:ea typeface="Times New Roman"/>
-              <a:cs typeface="Times New Roman"/>
-              <a:sym typeface="Times New Roman"/>
-            </a:endParaRPr>
-          </a:p>
-          <a:p>
-            <a:pPr marL="914400" lvl="1" indent="-298450" algn="l" rtl="0">
-              <a:lnSpc>
-                <a:spcPct val="115000"/>
-              </a:lnSpc>
-              <a:spcBef>
-                <a:spcPts val="0"/>
-              </a:spcBef>
-              <a:spcAft>
-                <a:spcPts val="0"/>
-              </a:spcAft>
-              <a:buClr>
-                <a:schemeClr val="dk1"/>
-              </a:buClr>
-              <a:buSzPts val="1100"/>
-              <a:buChar char="○"/>
-            </a:pPr>
-            <a:r>
-              <a:rPr lang="uk-UA">
-                <a:solidFill>
-                  <a:schemeClr val="dk1"/>
-                </a:solidFill>
-                <a:latin typeface="Times New Roman"/>
-                <a:ea typeface="Times New Roman"/>
-                <a:cs typeface="Times New Roman"/>
-                <a:sym typeface="Times New Roman"/>
-              </a:rPr>
-              <a:t>Потужні інструменти для розробки, налагодження та тестування додатків.</a:t>
-            </a:r>
-            <a:endParaRPr>
-              <a:solidFill>
-                <a:schemeClr val="dk1"/>
-              </a:solidFill>
-              <a:latin typeface="Times New Roman"/>
-              <a:ea typeface="Times New Roman"/>
-              <a:cs typeface="Times New Roman"/>
-              <a:sym typeface="Times New Roman"/>
-            </a:endParaRPr>
-          </a:p>
-          <a:p>
-            <a:pPr marL="914400" lvl="1" indent="-298450" algn="l" rtl="0">
-              <a:lnSpc>
-                <a:spcPct val="115000"/>
-              </a:lnSpc>
-              <a:spcBef>
-                <a:spcPts val="0"/>
-              </a:spcBef>
-              <a:spcAft>
-                <a:spcPts val="0"/>
-              </a:spcAft>
-              <a:buClr>
-                <a:schemeClr val="dk1"/>
-              </a:buClr>
-              <a:buSzPts val="1100"/>
-              <a:buChar char="○"/>
-            </a:pPr>
-            <a:r>
-              <a:rPr lang="uk-UA">
-                <a:solidFill>
-                  <a:schemeClr val="dk1"/>
-                </a:solidFill>
-                <a:latin typeface="Times New Roman"/>
-                <a:ea typeface="Times New Roman"/>
-                <a:cs typeface="Times New Roman"/>
-                <a:sym typeface="Times New Roman"/>
-              </a:rPr>
-              <a:t>Підтримка плагінів для розширення функціональності.</a:t>
-            </a:r>
-            <a:endParaRPr>
-              <a:solidFill>
-                <a:schemeClr val="dk1"/>
-              </a:solidFill>
-              <a:latin typeface="Times New Roman"/>
-              <a:ea typeface="Times New Roman"/>
-              <a:cs typeface="Times New Roman"/>
-              <a:sym typeface="Times New Roman"/>
-            </a:endParaRPr>
-          </a:p>
-          <a:p>
-            <a:pPr marL="914400" lvl="0" indent="0" algn="l" rtl="0">
-              <a:lnSpc>
-                <a:spcPct val="115000"/>
-              </a:lnSpc>
-              <a:spcBef>
-                <a:spcPts val="1200"/>
-              </a:spcBef>
-              <a:spcAft>
-                <a:spcPts val="1200"/>
-              </a:spcAft>
-              <a:buNone/>
-            </a:pPr>
-            <a:endParaRPr>
-              <a:solidFill>
-                <a:schemeClr val="dk1"/>
-              </a:solidFill>
-              <a:latin typeface="Times New Roman"/>
-              <a:ea typeface="Times New Roman"/>
-              <a:cs typeface="Times New Roman"/>
-              <a:sym typeface="Times New Roman"/>
-            </a:endParaRPr>
-          </a:p>
-        </p:txBody>
-      </p:sp>
-      <p:pic>
-        <p:nvPicPr>
-          <p:cNvPr id="100" name="Google Shape;100;p7"/>
-          <p:cNvPicPr preferRelativeResize="0"/>
-          <p:nvPr/>
-        </p:nvPicPr>
-        <p:blipFill>
-          <a:blip r:embed="rId3">
-            <a:alphaModFix/>
-          </a:blip>
-          <a:stretch>
-            <a:fillRect/>
-          </a:stretch>
-        </p:blipFill>
-        <p:spPr>
-          <a:xfrm>
-            <a:off x="3591150" y="969825"/>
-            <a:ext cx="1745126" cy="1745126"/>
-          </a:xfrm>
-          <a:prstGeom prst="rect">
-            <a:avLst/>
-          </a:prstGeom>
-          <a:noFill/>
-          <a:ln>
-            <a:noFill/>
-          </a:ln>
-        </p:spPr>
-      </p:pic>
-      <p:sp>
-        <p:nvSpPr>
-          <p:cNvPr id="101" name="Google Shape;101;p7"/>
-          <p:cNvSpPr txBox="1"/>
-          <p:nvPr/>
-        </p:nvSpPr>
-        <p:spPr>
-          <a:xfrm>
-            <a:off x="3162900" y="2714950"/>
-            <a:ext cx="3281100" cy="3032400"/>
-          </a:xfrm>
-          <a:prstGeom prst="rect">
-            <a:avLst/>
-          </a:prstGeom>
-          <a:noFill/>
-          <a:ln>
-            <a:noFill/>
-          </a:ln>
-        </p:spPr>
-        <p:txBody>
-          <a:bodyPr spcFirstLastPara="1" wrap="square" lIns="91425" tIns="91425" rIns="91425" bIns="91425" anchor="t" anchorCtr="0">
-            <a:spAutoFit/>
-          </a:bodyPr>
-          <a:lstStyle/>
-          <a:p>
-            <a:pPr marL="457200" lvl="0" indent="0" algn="l" rtl="0">
-              <a:lnSpc>
-                <a:spcPct val="115000"/>
-              </a:lnSpc>
-              <a:spcBef>
-                <a:spcPts val="1200"/>
-              </a:spcBef>
-              <a:spcAft>
-                <a:spcPts val="0"/>
-              </a:spcAft>
-              <a:buNone/>
-            </a:pPr>
-            <a:r>
-              <a:rPr lang="uk-UA" b="1" dirty="0">
-                <a:solidFill>
-                  <a:schemeClr val="dk1"/>
-                </a:solidFill>
-                <a:latin typeface="Times New Roman"/>
-                <a:ea typeface="Times New Roman"/>
-                <a:cs typeface="Times New Roman"/>
-                <a:sym typeface="Times New Roman"/>
-              </a:rPr>
-              <a:t>GitHub</a:t>
-            </a:r>
-            <a:br>
-              <a:rPr lang="uk-UA" b="1" dirty="0">
-                <a:solidFill>
-                  <a:schemeClr val="dk1"/>
-                </a:solidFill>
-                <a:latin typeface="Times New Roman"/>
-                <a:ea typeface="Times New Roman"/>
-                <a:cs typeface="Times New Roman"/>
-                <a:sym typeface="Times New Roman"/>
-              </a:rPr>
-            </a:br>
-            <a:r>
-              <a:rPr lang="uk-UA" dirty="0">
-                <a:solidFill>
-                  <a:schemeClr val="dk1"/>
-                </a:solidFill>
-                <a:latin typeface="Times New Roman"/>
-                <a:ea typeface="Times New Roman"/>
-                <a:cs typeface="Times New Roman"/>
-                <a:sym typeface="Times New Roman"/>
-              </a:rPr>
-              <a:t> Веб-сервіс для зберігання та спільної роботи над програмним забезпеченням за допомогою системи контролю версій Git. Особливості:</a:t>
-            </a:r>
-            <a:endParaRPr dirty="0">
-              <a:solidFill>
-                <a:schemeClr val="dk1"/>
-              </a:solidFill>
-              <a:latin typeface="Times New Roman"/>
-              <a:ea typeface="Times New Roman"/>
-              <a:cs typeface="Times New Roman"/>
-              <a:sym typeface="Times New Roman"/>
-            </a:endParaRPr>
-          </a:p>
-          <a:p>
-            <a:pPr marL="914400" lvl="1" indent="-317500" algn="l" rtl="0">
-              <a:lnSpc>
-                <a:spcPct val="115000"/>
-              </a:lnSpc>
-              <a:spcBef>
-                <a:spcPts val="1200"/>
-              </a:spcBef>
-              <a:spcAft>
-                <a:spcPts val="0"/>
-              </a:spcAft>
-              <a:buClr>
-                <a:schemeClr val="dk1"/>
-              </a:buClr>
-              <a:buSzPts val="1400"/>
-              <a:buFont typeface="Times New Roman"/>
-              <a:buChar char="○"/>
-            </a:pPr>
-            <a:r>
-              <a:rPr lang="uk-UA" dirty="0">
-                <a:solidFill>
-                  <a:schemeClr val="dk1"/>
-                </a:solidFill>
-                <a:latin typeface="Times New Roman"/>
-                <a:ea typeface="Times New Roman"/>
-                <a:cs typeface="Times New Roman"/>
-                <a:sym typeface="Times New Roman"/>
-              </a:rPr>
-              <a:t>Можливість створення та спільного редагування коду з декількома розробниками.</a:t>
-            </a:r>
-            <a:endParaRPr dirty="0">
-              <a:solidFill>
-                <a:schemeClr val="dk1"/>
-              </a:solidFill>
-              <a:latin typeface="Times New Roman"/>
-              <a:ea typeface="Times New Roman"/>
-              <a:cs typeface="Times New Roman"/>
-              <a:sym typeface="Times New Roman"/>
-            </a:endParaRPr>
-          </a:p>
-          <a:p>
-            <a:pPr marL="914400" lvl="1" indent="-317500" algn="l" rtl="0">
-              <a:lnSpc>
-                <a:spcPct val="115000"/>
-              </a:lnSpc>
-              <a:spcBef>
-                <a:spcPts val="0"/>
-              </a:spcBef>
-              <a:spcAft>
-                <a:spcPts val="0"/>
-              </a:spcAft>
-              <a:buClr>
-                <a:schemeClr val="dk1"/>
-              </a:buClr>
-              <a:buSzPts val="1400"/>
-              <a:buFont typeface="Times New Roman"/>
-              <a:buChar char="○"/>
-            </a:pPr>
-            <a:r>
-              <a:rPr lang="uk-UA" dirty="0">
-                <a:solidFill>
-                  <a:schemeClr val="dk1"/>
-                </a:solidFill>
-                <a:latin typeface="Times New Roman"/>
-                <a:ea typeface="Times New Roman"/>
-                <a:cs typeface="Times New Roman"/>
-                <a:sym typeface="Times New Roman"/>
-              </a:rPr>
-              <a:t>Зручний інтерфейс для ведення проблем та задач.</a:t>
-            </a:r>
-            <a:endParaRPr dirty="0">
-              <a:solidFill>
-                <a:schemeClr val="dk1"/>
-              </a:solidFill>
-              <a:latin typeface="Times New Roman"/>
-              <a:ea typeface="Times New Roman"/>
-              <a:cs typeface="Times New Roman"/>
-              <a:sym typeface="Times New Roman"/>
-            </a:endParaRPr>
-          </a:p>
-        </p:txBody>
-      </p:sp>
-      <p:pic>
-        <p:nvPicPr>
-          <p:cNvPr id="104" name="Google Shape;104;p7"/>
-          <p:cNvPicPr preferRelativeResize="0"/>
-          <p:nvPr/>
-        </p:nvPicPr>
-        <p:blipFill>
-          <a:blip r:embed="rId4">
-            <a:alphaModFix/>
-          </a:blip>
-          <a:stretch>
-            <a:fillRect/>
-          </a:stretch>
-        </p:blipFill>
-        <p:spPr>
-          <a:xfrm>
-            <a:off x="464798" y="1001250"/>
-            <a:ext cx="1831700" cy="1831700"/>
-          </a:xfrm>
-          <a:prstGeom prst="rect">
-            <a:avLst/>
-          </a:prstGeom>
-          <a:noFill/>
-          <a:ln>
-            <a:noFill/>
-          </a:ln>
-        </p:spPr>
-      </p:pic>
-      <p:sp>
-        <p:nvSpPr>
-          <p:cNvPr id="2" name="Прямоугольник 1"/>
-          <p:cNvSpPr/>
-          <p:nvPr/>
-        </p:nvSpPr>
-        <p:spPr>
-          <a:xfrm>
-            <a:off x="7554369" y="3033811"/>
-            <a:ext cx="4444178" cy="954107"/>
-          </a:xfrm>
-          <a:prstGeom prst="rect">
-            <a:avLst/>
-          </a:prstGeom>
-        </p:spPr>
-        <p:txBody>
-          <a:bodyPr wrap="square">
-            <a:spAutoFit/>
-          </a:bodyPr>
-          <a:lstStyle/>
-          <a:p>
-            <a:r>
-              <a:rPr lang="en-US" b="1" dirty="0">
-                <a:solidFill>
-                  <a:srgbClr val="202122"/>
-                </a:solidFill>
-                <a:latin typeface="Arial" panose="020B0604020202020204" pitchFamily="34" charset="0"/>
-              </a:rPr>
-              <a:t>MySQL</a:t>
-            </a:r>
-            <a:r>
-              <a:rPr lang="en-US" dirty="0">
-                <a:solidFill>
-                  <a:srgbClr val="202122"/>
-                </a:solidFill>
-                <a:latin typeface="Arial" panose="020B0604020202020204" pitchFamily="34" charset="0"/>
-              </a:rPr>
-              <a:t> </a:t>
-            </a:r>
-            <a:endParaRPr lang="en-US" dirty="0" smtClean="0">
-              <a:solidFill>
-                <a:srgbClr val="202122"/>
-              </a:solidFill>
-              <a:latin typeface="Arial" panose="020B0604020202020204" pitchFamily="34" charset="0"/>
-            </a:endParaRPr>
-          </a:p>
-          <a:p>
-            <a:r>
-              <a:rPr lang="ru-RU" dirty="0">
-                <a:solidFill>
-                  <a:schemeClr val="tx1"/>
-                </a:solidFill>
-                <a:latin typeface="Arial" panose="020B0604020202020204" pitchFamily="34" charset="0"/>
-              </a:rPr>
-              <a:t>В</a:t>
-            </a:r>
-            <a:r>
-              <a:rPr lang="ru-RU" dirty="0" smtClean="0">
-                <a:solidFill>
-                  <a:schemeClr val="tx1"/>
-                </a:solidFill>
-                <a:latin typeface="Arial" panose="020B0604020202020204" pitchFamily="34" charset="0"/>
-              </a:rPr>
-              <a:t>ільна</a:t>
-            </a:r>
-            <a:r>
-              <a:rPr lang="ru-RU" dirty="0">
-                <a:solidFill>
-                  <a:schemeClr val="tx1"/>
-                </a:solidFill>
-                <a:latin typeface="Arial" panose="020B0604020202020204" pitchFamily="34" charset="0"/>
-              </a:rPr>
-              <a:t> система керування реляційними базами даних, </a:t>
-            </a:r>
-            <a:r>
-              <a:rPr lang="ru-RU" dirty="0">
-                <a:solidFill>
-                  <a:srgbClr val="202122"/>
-                </a:solidFill>
-                <a:latin typeface="Arial" panose="020B0604020202020204" pitchFamily="34" charset="0"/>
-              </a:rPr>
-              <a:t>яка була розроблена компанією «ТсХ» для підвищення швидкодії обробки великих баз даних.</a:t>
-            </a:r>
-            <a:endParaRPr lang="en-US" dirty="0"/>
-          </a:p>
-        </p:txBody>
-      </p:sp>
-      <p:sp>
-        <p:nvSpPr>
-          <p:cNvPr id="3" name="Прямоугольник 2"/>
-          <p:cNvSpPr/>
-          <p:nvPr/>
-        </p:nvSpPr>
-        <p:spPr>
-          <a:xfrm>
-            <a:off x="7403896" y="4362355"/>
-            <a:ext cx="4497314" cy="1384995"/>
-          </a:xfrm>
-          <a:prstGeom prst="rect">
-            <a:avLst/>
-          </a:prstGeom>
-        </p:spPr>
-        <p:txBody>
-          <a:bodyPr wrap="square">
-            <a:spAutoFit/>
-          </a:bodyPr>
-          <a:lstStyle/>
-          <a:p>
-            <a:pPr>
-              <a:buFont typeface="Arial" panose="020B0604020202020204" pitchFamily="34" charset="0"/>
-              <a:buChar char="•"/>
-            </a:pPr>
-            <a:r>
-              <a:rPr lang="ru-RU" dirty="0">
-                <a:solidFill>
-                  <a:srgbClr val="202122"/>
-                </a:solidFill>
-                <a:latin typeface="Arial" panose="020B0604020202020204" pitchFamily="34" charset="0"/>
-              </a:rPr>
-              <a:t>простота у встановленні та використанні;</a:t>
-            </a:r>
-          </a:p>
-          <a:p>
-            <a:pPr>
-              <a:buFont typeface="Arial" panose="020B0604020202020204" pitchFamily="34" charset="0"/>
-              <a:buChar char="•"/>
-            </a:pPr>
-            <a:r>
-              <a:rPr lang="ru-RU" dirty="0">
-                <a:solidFill>
-                  <a:srgbClr val="202122"/>
-                </a:solidFill>
-                <a:latin typeface="Arial" panose="020B0604020202020204" pitchFamily="34" charset="0"/>
-              </a:rPr>
-              <a:t>підтримується необмежена кількість користувачів, що одночасно працюють із БД;</a:t>
-            </a:r>
-          </a:p>
-          <a:p>
-            <a:pPr>
-              <a:buFont typeface="Arial" panose="020B0604020202020204" pitchFamily="34" charset="0"/>
-              <a:buChar char="•"/>
-            </a:pPr>
-            <a:r>
-              <a:rPr lang="ru-RU" dirty="0">
-                <a:solidFill>
-                  <a:srgbClr val="202122"/>
-                </a:solidFill>
-                <a:latin typeface="Arial" panose="020B0604020202020204" pitchFamily="34" charset="0"/>
-              </a:rPr>
-              <a:t>кількість рядків у таблицях може досягати 50 млн;</a:t>
-            </a:r>
-          </a:p>
-          <a:p>
-            <a:pPr>
-              <a:buFont typeface="Arial" panose="020B0604020202020204" pitchFamily="34" charset="0"/>
-              <a:buChar char="•"/>
-            </a:pPr>
-            <a:r>
-              <a:rPr lang="ru-RU" dirty="0">
-                <a:solidFill>
-                  <a:srgbClr val="202122"/>
-                </a:solidFill>
-                <a:latin typeface="Arial" panose="020B0604020202020204" pitchFamily="34" charset="0"/>
-              </a:rPr>
-              <a:t>висока швидкість виконання команд;</a:t>
-            </a:r>
-          </a:p>
-          <a:p>
-            <a:pPr>
-              <a:buFont typeface="Arial" panose="020B0604020202020204" pitchFamily="34" charset="0"/>
-              <a:buChar char="•"/>
-            </a:pPr>
-            <a:r>
-              <a:rPr lang="ru-RU" dirty="0">
-                <a:solidFill>
-                  <a:srgbClr val="202122"/>
-                </a:solidFill>
-                <a:latin typeface="Arial" panose="020B0604020202020204" pitchFamily="34" charset="0"/>
-              </a:rPr>
-              <a:t>наявність простої і ефективної системи безпеки.</a:t>
-            </a:r>
-          </a:p>
-        </p:txBody>
-      </p:sp>
-      <p:pic>
-        <p:nvPicPr>
-          <p:cNvPr id="1026" name="Picture 2" descr="Сервер баз данных MySQL"/>
-          <p:cNvPicPr>
-            <a:picLocks noChangeAspect="1" noChangeArrowheads="1"/>
-          </p:cNvPicPr>
-          <p:nvPr/>
-        </p:nvPicPr>
-        <p:blipFill>
-          <a:blip r:embed="rId5">
-            <a:extLst>
-              <a:ext uri="{28A0092B-C50C-407E-A947-70E740481C1C}">
-                <a14:useLocalDpi xmlns:a14="http://schemas.microsoft.com/office/drawing/2010/main" val="0"/>
-              </a:ext>
-            </a:extLst>
-          </a:blip>
-          <a:srcRect/>
-          <a:stretch>
-            <a:fillRect/>
-          </a:stretch>
-        </p:blipFill>
-        <p:spPr bwMode="auto">
-          <a:xfrm>
-            <a:off x="8738035" y="1087296"/>
-            <a:ext cx="1829037" cy="1829037"/>
-          </a:xfrm>
-          <a:prstGeom prst="rect">
-            <a:avLst/>
-          </a:prstGeom>
-          <a:noFill/>
-          <a:extLst>
-            <a:ext uri="{909E8E84-426E-40DD-AFC4-6F175D3DCCD1}">
-              <a14:hiddenFill xmlns:a14="http://schemas.microsoft.com/office/drawing/2010/main">
-                <a:solidFill>
-                  <a:srgbClr val="FFFFFF"/>
-                </a:solidFill>
-              </a14:hiddenFill>
-            </a:ext>
-          </a:extLst>
-        </p:spPr>
-      </p:pic>
-    </p:spTree>
-  </p:cSld>
-  <p:clrMapOvr>
-    <a:masterClrMapping/>
-  </p:clrMapOvr>
-</p:sld>
-</file>
-
-<file path=ppt/slides/slide4.xml><?xml version="1.0" encoding="utf-8"?>
+<file path=ppt/slides/slide10.xml><?xml version="1.0" encoding="utf-8"?>
 <p:sld xmlns:a="http://schemas.openxmlformats.org/drawingml/2006/main" xmlns:r="http://schemas.openxmlformats.org/officeDocument/2006/relationships" xmlns:p="http://schemas.openxmlformats.org/presentationml/2006/main">
   <p:cSld>
     <p:spTree>
@@ -13323,7 +12116,7 @@
 </p:sld>
 </file>
 
-<file path=ppt/slides/slide5.xml><?xml version="1.0" encoding="utf-8"?>
+<file path=ppt/slides/slide11.xml><?xml version="1.0" encoding="utf-8"?>
 <p:sld xmlns:a="http://schemas.openxmlformats.org/drawingml/2006/main" xmlns:r="http://schemas.openxmlformats.org/officeDocument/2006/relationships" xmlns:p="http://schemas.openxmlformats.org/presentationml/2006/main">
   <p:cSld>
     <p:spTree>
@@ -13477,137 +12270,7 @@
 </p:sld>
 </file>
 
-<file path=ppt/slides/slide6.xml><?xml version="1.0" encoding="utf-8"?>
-<p:sld xmlns:a="http://schemas.openxmlformats.org/drawingml/2006/main" xmlns:r="http://schemas.openxmlformats.org/officeDocument/2006/relationships" xmlns:p="http://schemas.openxmlformats.org/presentationml/2006/main">
-  <p:cSld>
-    <p:spTree>
-      <p:nvGrpSpPr>
-        <p:cNvPr id="1" name=""/>
-        <p:cNvGrpSpPr/>
-        <p:nvPr/>
-      </p:nvGrpSpPr>
-      <p:grpSpPr>
-        <a:xfrm>
-          <a:off x="0" y="0"/>
-          <a:ext cx="0" cy="0"/>
-          <a:chOff x="0" y="0"/>
-          <a:chExt cx="0" cy="0"/>
-        </a:xfrm>
-      </p:grpSpPr>
-      <p:sp>
-        <p:nvSpPr>
-          <p:cNvPr id="2" name="Заголовок 1"/>
-          <p:cNvSpPr>
-            <a:spLocks noGrp="1"/>
-          </p:cNvSpPr>
-          <p:nvPr>
-            <p:ph type="title"/>
-          </p:nvPr>
-        </p:nvSpPr>
-        <p:spPr>
-          <a:xfrm>
-            <a:off x="5326529" y="358588"/>
-            <a:ext cx="1367118" cy="752382"/>
-          </a:xfrm>
-        </p:spPr>
-        <p:txBody>
-          <a:bodyPr/>
-          <a:lstStyle/>
-          <a:p>
-            <a:r>
-              <a:rPr lang="en-US" dirty="0" smtClean="0"/>
-              <a:t>Tests</a:t>
-            </a:r>
-            <a:endParaRPr lang="en-US" dirty="0"/>
-          </a:p>
-        </p:txBody>
-      </p:sp>
-      <p:pic>
-        <p:nvPicPr>
-          <p:cNvPr id="3" name="Рисунок 2"/>
-          <p:cNvPicPr>
-            <a:picLocks noChangeAspect="1"/>
-          </p:cNvPicPr>
-          <p:nvPr/>
-        </p:nvPicPr>
-        <p:blipFill>
-          <a:blip r:embed="rId2"/>
-          <a:stretch>
-            <a:fillRect/>
-          </a:stretch>
-        </p:blipFill>
-        <p:spPr>
-          <a:xfrm>
-            <a:off x="116617" y="1325419"/>
-            <a:ext cx="6290160" cy="1716852"/>
-          </a:xfrm>
-          <a:prstGeom prst="rect">
-            <a:avLst/>
-          </a:prstGeom>
-        </p:spPr>
-      </p:pic>
-      <p:pic>
-        <p:nvPicPr>
-          <p:cNvPr id="4" name="Рисунок 3"/>
-          <p:cNvPicPr>
-            <a:picLocks noChangeAspect="1"/>
-          </p:cNvPicPr>
-          <p:nvPr/>
-        </p:nvPicPr>
-        <p:blipFill>
-          <a:blip r:embed="rId3"/>
-          <a:stretch>
-            <a:fillRect/>
-          </a:stretch>
-        </p:blipFill>
-        <p:spPr>
-          <a:xfrm>
-            <a:off x="5734501" y="3042271"/>
-            <a:ext cx="6290160" cy="1625889"/>
-          </a:xfrm>
-          <a:prstGeom prst="rect">
-            <a:avLst/>
-          </a:prstGeom>
-        </p:spPr>
-      </p:pic>
-      <p:pic>
-        <p:nvPicPr>
-          <p:cNvPr id="5" name="Рисунок 4"/>
-          <p:cNvPicPr>
-            <a:picLocks noChangeAspect="1"/>
-          </p:cNvPicPr>
-          <p:nvPr/>
-        </p:nvPicPr>
-        <p:blipFill>
-          <a:blip r:embed="rId4"/>
-          <a:stretch>
-            <a:fillRect/>
-          </a:stretch>
-        </p:blipFill>
-        <p:spPr>
-          <a:xfrm>
-            <a:off x="188335" y="4668160"/>
-            <a:ext cx="6290160" cy="1638937"/>
-          </a:xfrm>
-          <a:prstGeom prst="rect">
-            <a:avLst/>
-          </a:prstGeom>
-        </p:spPr>
-      </p:pic>
-    </p:spTree>
-    <p:extLst>
-      <p:ext uri="{BB962C8B-B14F-4D97-AF65-F5344CB8AC3E}">
-        <p14:creationId xmlns:p14="http://schemas.microsoft.com/office/powerpoint/2010/main" val="2142730666"/>
-      </p:ext>
-    </p:extLst>
-  </p:cSld>
-  <p:clrMapOvr>
-    <a:masterClrMapping/>
-  </p:clrMapOvr>
-</p:sld>
-</file>
-
-<file path=ppt/slides/slide7.xml><?xml version="1.0" encoding="utf-8"?>
+<file path=ppt/slides/slide12.xml><?xml version="1.0" encoding="utf-8"?>
 <p:sld xmlns:a="http://schemas.openxmlformats.org/drawingml/2006/main" xmlns:r="http://schemas.openxmlformats.org/officeDocument/2006/relationships" xmlns:p="http://schemas.openxmlformats.org/presentationml/2006/main">
   <p:cSld>
     <p:spTree>
@@ -13695,6 +12358,3351 @@
         </p:txBody>
       </p:sp>
     </p:spTree>
+  </p:cSld>
+  <p:clrMapOvr>
+    <a:masterClrMapping/>
+  </p:clrMapOvr>
+</p:sld>
+</file>
+
+<file path=ppt/slides/slide2.xml><?xml version="1.0" encoding="utf-8"?>
+<p:sld xmlns:a="http://schemas.openxmlformats.org/drawingml/2006/main" xmlns:r="http://schemas.openxmlformats.org/officeDocument/2006/relationships" xmlns:p="http://schemas.openxmlformats.org/presentationml/2006/main">
+  <p:cSld>
+    <p:spTree>
+      <p:nvGrpSpPr>
+        <p:cNvPr id="1" name="Shape 91"/>
+        <p:cNvGrpSpPr/>
+        <p:nvPr/>
+      </p:nvGrpSpPr>
+      <p:grpSpPr>
+        <a:xfrm>
+          <a:off x="0" y="0"/>
+          <a:ext cx="0" cy="0"/>
+          <a:chOff x="0" y="0"/>
+          <a:chExt cx="0" cy="0"/>
+        </a:xfrm>
+      </p:grpSpPr>
+      <p:sp>
+        <p:nvSpPr>
+          <p:cNvPr id="92" name="Google Shape;92;p2"/>
+          <p:cNvSpPr txBox="1">
+            <a:spLocks noGrp="1"/>
+          </p:cNvSpPr>
+          <p:nvPr>
+            <p:ph type="title"/>
+          </p:nvPr>
+        </p:nvSpPr>
+        <p:spPr>
+          <a:xfrm>
+            <a:off x="838200" y="365126"/>
+            <a:ext cx="10515600" cy="530614"/>
+          </a:xfrm>
+          <a:prstGeom prst="rect">
+            <a:avLst/>
+          </a:prstGeom>
+          <a:noFill/>
+          <a:ln>
+            <a:noFill/>
+          </a:ln>
+        </p:spPr>
+        <p:txBody>
+          <a:bodyPr spcFirstLastPara="1" wrap="square" lIns="91425" tIns="45700" rIns="91425" bIns="45700" anchor="ctr" anchorCtr="0">
+            <a:normAutofit/>
+          </a:bodyPr>
+          <a:lstStyle/>
+          <a:p>
+            <a:pPr marL="0" lvl="0" indent="0" algn="ctr" rtl="0">
+              <a:lnSpc>
+                <a:spcPct val="90000"/>
+              </a:lnSpc>
+              <a:spcBef>
+                <a:spcPts val="0"/>
+              </a:spcBef>
+              <a:spcAft>
+                <a:spcPts val="0"/>
+              </a:spcAft>
+              <a:buClr>
+                <a:schemeClr val="dk1"/>
+              </a:buClr>
+              <a:buSzPts val="2400"/>
+              <a:buFont typeface="Times New Roman"/>
+              <a:buNone/>
+            </a:pPr>
+            <a:r>
+              <a:rPr lang="uk-UA" sz="2400" b="1" cap="none">
+                <a:latin typeface="Times New Roman"/>
+                <a:ea typeface="Times New Roman"/>
+                <a:cs typeface="Times New Roman"/>
+                <a:sym typeface="Times New Roman"/>
+              </a:rPr>
+              <a:t>ЗАВДАННЯ </a:t>
+            </a:r>
+            <a:r>
+              <a:rPr lang="uk-UA" sz="2400" b="1">
+                <a:latin typeface="Times New Roman"/>
+                <a:ea typeface="Times New Roman"/>
+                <a:cs typeface="Times New Roman"/>
+                <a:sym typeface="Times New Roman"/>
+              </a:rPr>
+              <a:t>КУРСОВОЇ РОБОТИ</a:t>
+            </a:r>
+            <a:endParaRPr sz="2400" b="1" cap="none">
+              <a:latin typeface="Times New Roman"/>
+              <a:ea typeface="Times New Roman"/>
+              <a:cs typeface="Times New Roman"/>
+              <a:sym typeface="Times New Roman"/>
+            </a:endParaRPr>
+          </a:p>
+        </p:txBody>
+      </p:sp>
+      <p:sp>
+        <p:nvSpPr>
+          <p:cNvPr id="93" name="Google Shape;93;p2"/>
+          <p:cNvSpPr txBox="1"/>
+          <p:nvPr/>
+        </p:nvSpPr>
+        <p:spPr>
+          <a:xfrm>
+            <a:off x="424967" y="771049"/>
+            <a:ext cx="11342100" cy="3309300"/>
+          </a:xfrm>
+          <a:prstGeom prst="rect">
+            <a:avLst/>
+          </a:prstGeom>
+          <a:noFill/>
+          <a:ln>
+            <a:noFill/>
+          </a:ln>
+        </p:spPr>
+        <p:txBody>
+          <a:bodyPr spcFirstLastPara="1" wrap="square" lIns="91425" tIns="45700" rIns="91425" bIns="45700" anchor="t" anchorCtr="0">
+            <a:spAutoFit/>
+          </a:bodyPr>
+          <a:lstStyle/>
+          <a:p>
+            <a:pPr marL="0" marR="0" lvl="0" indent="0" algn="l" rtl="0">
+              <a:spcBef>
+                <a:spcPts val="0"/>
+              </a:spcBef>
+              <a:spcAft>
+                <a:spcPts val="0"/>
+              </a:spcAft>
+              <a:buNone/>
+            </a:pPr>
+            <a:r>
+              <a:rPr lang="uk-UA" sz="1600" b="1" i="0" u="none" strike="noStrike" cap="none" dirty="0">
+                <a:solidFill>
+                  <a:schemeClr val="dk1"/>
+                </a:solidFill>
+                <a:latin typeface="Times New Roman"/>
+                <a:ea typeface="Times New Roman"/>
+                <a:cs typeface="Times New Roman"/>
+                <a:sym typeface="Times New Roman"/>
+              </a:rPr>
+              <a:t>Загальні завдання:</a:t>
+            </a:r>
+            <a:endParaRPr dirty="0"/>
+          </a:p>
+          <a:p>
+            <a:pPr marL="285750" marR="0" lvl="0" indent="-285750" algn="l" rtl="0">
+              <a:spcBef>
+                <a:spcPts val="0"/>
+              </a:spcBef>
+              <a:spcAft>
+                <a:spcPts val="0"/>
+              </a:spcAft>
+              <a:buClr>
+                <a:schemeClr val="dk1"/>
+              </a:buClr>
+              <a:buSzPts val="1600"/>
+              <a:buFont typeface="Arial"/>
+              <a:buChar char="•"/>
+            </a:pPr>
+            <a:r>
+              <a:rPr lang="uk-UA" sz="1600" b="0" i="0" u="none" strike="noStrike" cap="none" dirty="0">
+                <a:solidFill>
+                  <a:schemeClr val="dk1"/>
+                </a:solidFill>
+                <a:latin typeface="Times New Roman"/>
+                <a:ea typeface="Times New Roman"/>
+                <a:cs typeface="Times New Roman"/>
+                <a:sym typeface="Times New Roman"/>
+              </a:rPr>
+              <a:t>ознайомлення з </a:t>
+            </a:r>
+            <a:r>
+              <a:rPr lang="uk-UA" sz="1600" dirty="0">
+                <a:solidFill>
+                  <a:schemeClr val="dk1"/>
+                </a:solidFill>
+                <a:latin typeface="Times New Roman"/>
+                <a:ea typeface="Times New Roman"/>
+                <a:cs typeface="Times New Roman"/>
+                <a:sym typeface="Times New Roman"/>
+              </a:rPr>
+              <a:t>мовою програмування Java</a:t>
+            </a:r>
+            <a:r>
+              <a:rPr lang="uk-UA" sz="1600" b="0" i="0" u="none" strike="noStrike" cap="none" dirty="0">
+                <a:solidFill>
+                  <a:schemeClr val="dk1"/>
+                </a:solidFill>
+                <a:latin typeface="Times New Roman"/>
+                <a:ea typeface="Times New Roman"/>
+                <a:cs typeface="Times New Roman"/>
+                <a:sym typeface="Times New Roman"/>
+              </a:rPr>
+              <a:t>; </a:t>
+            </a:r>
+            <a:endParaRPr dirty="0"/>
+          </a:p>
+          <a:p>
+            <a:pPr marL="285750" marR="0" lvl="0" indent="-285750" algn="l" rtl="0">
+              <a:spcBef>
+                <a:spcPts val="0"/>
+              </a:spcBef>
+              <a:spcAft>
+                <a:spcPts val="0"/>
+              </a:spcAft>
+              <a:buClr>
+                <a:schemeClr val="dk1"/>
+              </a:buClr>
+              <a:buSzPts val="1600"/>
+              <a:buFont typeface="Arial"/>
+              <a:buChar char="•"/>
+            </a:pPr>
+            <a:r>
+              <a:rPr lang="uk-UA" sz="1600" b="0" i="0" u="none" strike="noStrike" cap="none" dirty="0">
+                <a:solidFill>
+                  <a:schemeClr val="dk1"/>
+                </a:solidFill>
+                <a:latin typeface="Times New Roman"/>
+                <a:ea typeface="Times New Roman"/>
+                <a:cs typeface="Times New Roman"/>
+                <a:sym typeface="Times New Roman"/>
+              </a:rPr>
+              <a:t>отримання практичних навичок у застосуванні технологій проектування та розробки програмного забезпечення</a:t>
+            </a:r>
+            <a:r>
+              <a:rPr lang="uk-UA" sz="1600" dirty="0">
+                <a:solidFill>
+                  <a:schemeClr val="dk1"/>
+                </a:solidFill>
+                <a:latin typeface="Times New Roman"/>
+                <a:ea typeface="Times New Roman"/>
+                <a:cs typeface="Times New Roman"/>
+                <a:sym typeface="Times New Roman"/>
+              </a:rPr>
+              <a:t>;</a:t>
+            </a:r>
+            <a:endParaRPr dirty="0"/>
+          </a:p>
+          <a:p>
+            <a:pPr marL="285750" marR="0" lvl="0" indent="-285750" algn="l" rtl="0">
+              <a:spcBef>
+                <a:spcPts val="0"/>
+              </a:spcBef>
+              <a:spcAft>
+                <a:spcPts val="0"/>
+              </a:spcAft>
+              <a:buClr>
+                <a:schemeClr val="dk1"/>
+              </a:buClr>
+              <a:buSzPts val="1600"/>
+              <a:buFont typeface="Arial"/>
+              <a:buChar char="•"/>
+            </a:pPr>
+            <a:r>
+              <a:rPr lang="uk-UA" sz="1600" b="0" i="0" u="none" strike="noStrike" cap="none" dirty="0">
+                <a:solidFill>
+                  <a:schemeClr val="dk1"/>
+                </a:solidFill>
+                <a:latin typeface="Times New Roman"/>
+                <a:ea typeface="Times New Roman"/>
+                <a:cs typeface="Times New Roman"/>
+                <a:sym typeface="Times New Roman"/>
+              </a:rPr>
+              <a:t>закріплення навичок вирішення інженерних завдань із застосуванням методів та засобів інженерії програмного забезпечення; </a:t>
+            </a:r>
+            <a:endParaRPr dirty="0"/>
+          </a:p>
+          <a:p>
+            <a:pPr marL="285750" marR="0" lvl="0" indent="-285750" algn="l" rtl="0">
+              <a:spcBef>
+                <a:spcPts val="0"/>
+              </a:spcBef>
+              <a:spcAft>
+                <a:spcPts val="0"/>
+              </a:spcAft>
+              <a:buClr>
+                <a:schemeClr val="dk1"/>
+              </a:buClr>
+              <a:buSzPts val="1600"/>
+              <a:buFont typeface="Arial"/>
+              <a:buChar char="•"/>
+            </a:pPr>
+            <a:r>
+              <a:rPr lang="uk-UA" sz="1600" b="0" i="0" u="none" strike="noStrike" cap="none" dirty="0">
+                <a:solidFill>
+                  <a:schemeClr val="dk1"/>
+                </a:solidFill>
+                <a:latin typeface="Times New Roman"/>
+                <a:ea typeface="Times New Roman"/>
+                <a:cs typeface="Times New Roman"/>
+                <a:sym typeface="Times New Roman"/>
+              </a:rPr>
+              <a:t>отримання та закріплення навичок проектування та розробки </a:t>
+            </a:r>
+            <a:r>
+              <a:rPr lang="uk-UA" sz="1600" i="1" dirty="0">
+                <a:solidFill>
+                  <a:schemeClr val="dk1"/>
+                </a:solidFill>
+                <a:latin typeface="Times New Roman"/>
+                <a:ea typeface="Times New Roman"/>
+                <a:cs typeface="Times New Roman"/>
+                <a:sym typeface="Times New Roman"/>
+              </a:rPr>
+              <a:t>застосунків;</a:t>
+            </a:r>
+            <a:endParaRPr dirty="0">
+              <a:solidFill>
+                <a:schemeClr val="dk1"/>
+              </a:solidFill>
+            </a:endParaRPr>
+          </a:p>
+          <a:p>
+            <a:pPr marL="0" marR="0" lvl="0" indent="0" algn="l" rtl="0">
+              <a:spcBef>
+                <a:spcPts val="0"/>
+              </a:spcBef>
+              <a:spcAft>
+                <a:spcPts val="0"/>
+              </a:spcAft>
+              <a:buNone/>
+            </a:pPr>
+            <a:endParaRPr dirty="0"/>
+          </a:p>
+          <a:p>
+            <a:pPr marL="0" marR="0" lvl="0" indent="0" algn="l" rtl="0">
+              <a:spcBef>
+                <a:spcPts val="0"/>
+              </a:spcBef>
+              <a:spcAft>
+                <a:spcPts val="0"/>
+              </a:spcAft>
+              <a:buNone/>
+            </a:pPr>
+            <a:endParaRPr sz="1600" b="1" dirty="0">
+              <a:solidFill>
+                <a:schemeClr val="dk1"/>
+              </a:solidFill>
+              <a:latin typeface="Times New Roman"/>
+              <a:ea typeface="Times New Roman"/>
+              <a:cs typeface="Times New Roman"/>
+              <a:sym typeface="Times New Roman"/>
+            </a:endParaRPr>
+          </a:p>
+          <a:p>
+            <a:pPr marL="0" marR="0" lvl="0" indent="0" algn="l" rtl="0">
+              <a:spcBef>
+                <a:spcPts val="0"/>
+              </a:spcBef>
+              <a:spcAft>
+                <a:spcPts val="0"/>
+              </a:spcAft>
+              <a:buNone/>
+            </a:pPr>
+            <a:r>
+              <a:rPr lang="uk-UA" sz="1600" b="1" dirty="0">
+                <a:solidFill>
+                  <a:schemeClr val="dk1"/>
+                </a:solidFill>
+                <a:latin typeface="Times New Roman"/>
+                <a:ea typeface="Times New Roman"/>
+                <a:cs typeface="Times New Roman"/>
+                <a:sym typeface="Times New Roman"/>
+              </a:rPr>
+              <a:t>Назва та призначення проекту: </a:t>
+            </a:r>
+            <a:r>
+              <a:rPr lang="en-US" sz="1600" dirty="0" smtClean="0">
+                <a:solidFill>
+                  <a:schemeClr val="dk1"/>
+                </a:solidFill>
+                <a:latin typeface="Times New Roman"/>
+                <a:ea typeface="Times New Roman"/>
+                <a:cs typeface="Times New Roman"/>
+                <a:sym typeface="Times New Roman"/>
+              </a:rPr>
+              <a:t>BuildingApp</a:t>
+            </a:r>
+            <a:endParaRPr dirty="0">
+              <a:solidFill>
+                <a:schemeClr val="dk1"/>
+              </a:solidFill>
+            </a:endParaRPr>
+          </a:p>
+          <a:p>
+            <a:pPr marL="0" marR="0" lvl="0" indent="0" algn="l" rtl="0">
+              <a:spcBef>
+                <a:spcPts val="0"/>
+              </a:spcBef>
+              <a:spcAft>
+                <a:spcPts val="0"/>
+              </a:spcAft>
+              <a:buNone/>
+            </a:pPr>
+            <a:endParaRPr sz="1600" dirty="0">
+              <a:solidFill>
+                <a:schemeClr val="dk1"/>
+              </a:solidFill>
+              <a:latin typeface="Times New Roman"/>
+              <a:ea typeface="Times New Roman"/>
+              <a:cs typeface="Times New Roman"/>
+              <a:sym typeface="Times New Roman"/>
+            </a:endParaRPr>
+          </a:p>
+          <a:p>
+            <a:pPr marL="457200" lvl="0" indent="0" algn="just" rtl="0">
+              <a:lnSpc>
+                <a:spcPct val="150000"/>
+              </a:lnSpc>
+              <a:spcBef>
+                <a:spcPts val="0"/>
+              </a:spcBef>
+              <a:spcAft>
+                <a:spcPts val="0"/>
+              </a:spcAft>
+              <a:buNone/>
+            </a:pPr>
+            <a:endParaRPr dirty="0"/>
+          </a:p>
+          <a:p>
+            <a:pPr marL="457200" marR="0" lvl="0" indent="0" algn="l" rtl="0">
+              <a:spcBef>
+                <a:spcPts val="0"/>
+              </a:spcBef>
+              <a:spcAft>
+                <a:spcPts val="0"/>
+              </a:spcAft>
+              <a:buNone/>
+            </a:pPr>
+            <a:endParaRPr dirty="0"/>
+          </a:p>
+          <a:p>
+            <a:pPr marL="0" marR="0" lvl="0" indent="0" algn="l" rtl="0">
+              <a:spcBef>
+                <a:spcPts val="0"/>
+              </a:spcBef>
+              <a:spcAft>
+                <a:spcPts val="0"/>
+              </a:spcAft>
+              <a:buNone/>
+            </a:pPr>
+            <a:endParaRPr sz="1600" dirty="0">
+              <a:solidFill>
+                <a:srgbClr val="FF0000"/>
+              </a:solidFill>
+              <a:latin typeface="Times New Roman"/>
+              <a:ea typeface="Times New Roman"/>
+              <a:cs typeface="Times New Roman"/>
+              <a:sym typeface="Times New Roman"/>
+            </a:endParaRPr>
+          </a:p>
+        </p:txBody>
+      </p:sp>
+    </p:spTree>
+  </p:cSld>
+  <p:clrMapOvr>
+    <a:masterClrMapping/>
+  </p:clrMapOvr>
+</p:sld>
+</file>
+
+<file path=ppt/slides/slide3.xml><?xml version="1.0" encoding="utf-8"?>
+<p:sld xmlns:a="http://schemas.openxmlformats.org/drawingml/2006/main" xmlns:r="http://schemas.openxmlformats.org/officeDocument/2006/relationships" xmlns:p="http://schemas.openxmlformats.org/presentationml/2006/main">
+  <p:cSld>
+    <p:spTree>
+      <p:nvGrpSpPr>
+        <p:cNvPr id="1" name="Shape 97"/>
+        <p:cNvGrpSpPr/>
+        <p:nvPr/>
+      </p:nvGrpSpPr>
+      <p:grpSpPr>
+        <a:xfrm>
+          <a:off x="0" y="0"/>
+          <a:ext cx="0" cy="0"/>
+          <a:chOff x="0" y="0"/>
+          <a:chExt cx="0" cy="0"/>
+        </a:xfrm>
+      </p:grpSpPr>
+      <p:sp>
+        <p:nvSpPr>
+          <p:cNvPr id="98" name="Google Shape;98;p7"/>
+          <p:cNvSpPr txBox="1">
+            <a:spLocks noGrp="1"/>
+          </p:cNvSpPr>
+          <p:nvPr>
+            <p:ph type="title"/>
+          </p:nvPr>
+        </p:nvSpPr>
+        <p:spPr>
+          <a:xfrm>
+            <a:off x="838200" y="365125"/>
+            <a:ext cx="10515600" cy="604693"/>
+          </a:xfrm>
+          <a:prstGeom prst="rect">
+            <a:avLst/>
+          </a:prstGeom>
+          <a:noFill/>
+          <a:ln>
+            <a:noFill/>
+          </a:ln>
+        </p:spPr>
+        <p:txBody>
+          <a:bodyPr spcFirstLastPara="1" wrap="square" lIns="91425" tIns="45700" rIns="91425" bIns="45700" anchor="ctr" anchorCtr="0">
+            <a:normAutofit/>
+          </a:bodyPr>
+          <a:lstStyle/>
+          <a:p>
+            <a:pPr marL="0" lvl="0" indent="0" algn="ctr" rtl="0">
+              <a:lnSpc>
+                <a:spcPct val="90000"/>
+              </a:lnSpc>
+              <a:spcBef>
+                <a:spcPts val="0"/>
+              </a:spcBef>
+              <a:spcAft>
+                <a:spcPts val="0"/>
+              </a:spcAft>
+              <a:buClr>
+                <a:srgbClr val="000000"/>
+              </a:buClr>
+              <a:buSzPts val="2400"/>
+              <a:buFont typeface="Times New Roman"/>
+              <a:buNone/>
+            </a:pPr>
+            <a:r>
+              <a:rPr lang="uk-UA" sz="2400" b="1">
+                <a:solidFill>
+                  <a:srgbClr val="000000"/>
+                </a:solidFill>
+                <a:latin typeface="Times New Roman"/>
+                <a:ea typeface="Times New Roman"/>
+                <a:cs typeface="Times New Roman"/>
+                <a:sym typeface="Times New Roman"/>
+              </a:rPr>
+              <a:t>ОГЛЯД ПРОГРАМНОГО ЗАБЕЗПЕЧЕННЯ</a:t>
+            </a:r>
+            <a:endParaRPr sz="2400" b="1">
+              <a:solidFill>
+                <a:srgbClr val="FF0000"/>
+              </a:solidFill>
+            </a:endParaRPr>
+          </a:p>
+        </p:txBody>
+      </p:sp>
+      <p:sp>
+        <p:nvSpPr>
+          <p:cNvPr id="99" name="Google Shape;99;p7"/>
+          <p:cNvSpPr txBox="1"/>
+          <p:nvPr/>
+        </p:nvSpPr>
+        <p:spPr>
+          <a:xfrm>
+            <a:off x="0" y="2714950"/>
+            <a:ext cx="3281100" cy="3681900"/>
+          </a:xfrm>
+          <a:prstGeom prst="rect">
+            <a:avLst/>
+          </a:prstGeom>
+          <a:noFill/>
+          <a:ln>
+            <a:noFill/>
+          </a:ln>
+        </p:spPr>
+        <p:txBody>
+          <a:bodyPr spcFirstLastPara="1" wrap="square" lIns="91425" tIns="91425" rIns="91425" bIns="91425" anchor="t" anchorCtr="0">
+            <a:spAutoFit/>
+          </a:bodyPr>
+          <a:lstStyle/>
+          <a:p>
+            <a:pPr marL="457200" lvl="0" indent="0" algn="l" rtl="0">
+              <a:lnSpc>
+                <a:spcPct val="115000"/>
+              </a:lnSpc>
+              <a:spcBef>
+                <a:spcPts val="1200"/>
+              </a:spcBef>
+              <a:spcAft>
+                <a:spcPts val="0"/>
+              </a:spcAft>
+              <a:buNone/>
+            </a:pPr>
+            <a:r>
+              <a:rPr lang="uk-UA" b="1">
+                <a:solidFill>
+                  <a:schemeClr val="dk1"/>
+                </a:solidFill>
+                <a:latin typeface="Times New Roman"/>
+                <a:ea typeface="Times New Roman"/>
+                <a:cs typeface="Times New Roman"/>
+                <a:sym typeface="Times New Roman"/>
+              </a:rPr>
+              <a:t>Android Studio</a:t>
+            </a:r>
+            <a:br>
+              <a:rPr lang="uk-UA" b="1">
+                <a:solidFill>
+                  <a:schemeClr val="dk1"/>
+                </a:solidFill>
+                <a:latin typeface="Times New Roman"/>
+                <a:ea typeface="Times New Roman"/>
+                <a:cs typeface="Times New Roman"/>
+                <a:sym typeface="Times New Roman"/>
+              </a:rPr>
+            </a:br>
+            <a:r>
+              <a:rPr lang="uk-UA">
+                <a:solidFill>
+                  <a:schemeClr val="dk1"/>
+                </a:solidFill>
+                <a:latin typeface="Times New Roman"/>
+                <a:ea typeface="Times New Roman"/>
+                <a:cs typeface="Times New Roman"/>
+                <a:sym typeface="Times New Roman"/>
+              </a:rPr>
+              <a:t>IDE для розробки на різних мовах програмування, включаючи Java, Kotlin, та інші. Особливості:</a:t>
+            </a:r>
+            <a:endParaRPr>
+              <a:solidFill>
+                <a:schemeClr val="dk1"/>
+              </a:solidFill>
+              <a:latin typeface="Times New Roman"/>
+              <a:ea typeface="Times New Roman"/>
+              <a:cs typeface="Times New Roman"/>
+              <a:sym typeface="Times New Roman"/>
+            </a:endParaRPr>
+          </a:p>
+          <a:p>
+            <a:pPr marL="914400" lvl="1" indent="-298450" algn="l" rtl="0">
+              <a:lnSpc>
+                <a:spcPct val="115000"/>
+              </a:lnSpc>
+              <a:spcBef>
+                <a:spcPts val="1200"/>
+              </a:spcBef>
+              <a:spcAft>
+                <a:spcPts val="0"/>
+              </a:spcAft>
+              <a:buClr>
+                <a:schemeClr val="dk1"/>
+              </a:buClr>
+              <a:buSzPts val="1100"/>
+              <a:buChar char="○"/>
+            </a:pPr>
+            <a:r>
+              <a:rPr lang="uk-UA">
+                <a:solidFill>
+                  <a:schemeClr val="dk1"/>
+                </a:solidFill>
+                <a:latin typeface="Times New Roman"/>
+                <a:ea typeface="Times New Roman"/>
+                <a:cs typeface="Times New Roman"/>
+                <a:sym typeface="Times New Roman"/>
+              </a:rPr>
+              <a:t>Інтегрована підтримка різних мов програмування.</a:t>
+            </a:r>
+            <a:endParaRPr>
+              <a:solidFill>
+                <a:schemeClr val="dk1"/>
+              </a:solidFill>
+              <a:latin typeface="Times New Roman"/>
+              <a:ea typeface="Times New Roman"/>
+              <a:cs typeface="Times New Roman"/>
+              <a:sym typeface="Times New Roman"/>
+            </a:endParaRPr>
+          </a:p>
+          <a:p>
+            <a:pPr marL="914400" lvl="1" indent="-298450" algn="l" rtl="0">
+              <a:lnSpc>
+                <a:spcPct val="115000"/>
+              </a:lnSpc>
+              <a:spcBef>
+                <a:spcPts val="0"/>
+              </a:spcBef>
+              <a:spcAft>
+                <a:spcPts val="0"/>
+              </a:spcAft>
+              <a:buClr>
+                <a:schemeClr val="dk1"/>
+              </a:buClr>
+              <a:buSzPts val="1100"/>
+              <a:buChar char="○"/>
+            </a:pPr>
+            <a:r>
+              <a:rPr lang="uk-UA">
+                <a:solidFill>
+                  <a:schemeClr val="dk1"/>
+                </a:solidFill>
+                <a:latin typeface="Times New Roman"/>
+                <a:ea typeface="Times New Roman"/>
+                <a:cs typeface="Times New Roman"/>
+                <a:sym typeface="Times New Roman"/>
+              </a:rPr>
+              <a:t>Потужні інструменти для розробки, налагодження та тестування додатків.</a:t>
+            </a:r>
+            <a:endParaRPr>
+              <a:solidFill>
+                <a:schemeClr val="dk1"/>
+              </a:solidFill>
+              <a:latin typeface="Times New Roman"/>
+              <a:ea typeface="Times New Roman"/>
+              <a:cs typeface="Times New Roman"/>
+              <a:sym typeface="Times New Roman"/>
+            </a:endParaRPr>
+          </a:p>
+          <a:p>
+            <a:pPr marL="914400" lvl="1" indent="-298450" algn="l" rtl="0">
+              <a:lnSpc>
+                <a:spcPct val="115000"/>
+              </a:lnSpc>
+              <a:spcBef>
+                <a:spcPts val="0"/>
+              </a:spcBef>
+              <a:spcAft>
+                <a:spcPts val="0"/>
+              </a:spcAft>
+              <a:buClr>
+                <a:schemeClr val="dk1"/>
+              </a:buClr>
+              <a:buSzPts val="1100"/>
+              <a:buChar char="○"/>
+            </a:pPr>
+            <a:r>
+              <a:rPr lang="uk-UA">
+                <a:solidFill>
+                  <a:schemeClr val="dk1"/>
+                </a:solidFill>
+                <a:latin typeface="Times New Roman"/>
+                <a:ea typeface="Times New Roman"/>
+                <a:cs typeface="Times New Roman"/>
+                <a:sym typeface="Times New Roman"/>
+              </a:rPr>
+              <a:t>Підтримка плагінів для розширення функціональності.</a:t>
+            </a:r>
+            <a:endParaRPr>
+              <a:solidFill>
+                <a:schemeClr val="dk1"/>
+              </a:solidFill>
+              <a:latin typeface="Times New Roman"/>
+              <a:ea typeface="Times New Roman"/>
+              <a:cs typeface="Times New Roman"/>
+              <a:sym typeface="Times New Roman"/>
+            </a:endParaRPr>
+          </a:p>
+          <a:p>
+            <a:pPr marL="914400" lvl="0" indent="0" algn="l" rtl="0">
+              <a:lnSpc>
+                <a:spcPct val="115000"/>
+              </a:lnSpc>
+              <a:spcBef>
+                <a:spcPts val="1200"/>
+              </a:spcBef>
+              <a:spcAft>
+                <a:spcPts val="1200"/>
+              </a:spcAft>
+              <a:buNone/>
+            </a:pPr>
+            <a:endParaRPr>
+              <a:solidFill>
+                <a:schemeClr val="dk1"/>
+              </a:solidFill>
+              <a:latin typeface="Times New Roman"/>
+              <a:ea typeface="Times New Roman"/>
+              <a:cs typeface="Times New Roman"/>
+              <a:sym typeface="Times New Roman"/>
+            </a:endParaRPr>
+          </a:p>
+        </p:txBody>
+      </p:sp>
+      <p:pic>
+        <p:nvPicPr>
+          <p:cNvPr id="100" name="Google Shape;100;p7"/>
+          <p:cNvPicPr preferRelativeResize="0"/>
+          <p:nvPr/>
+        </p:nvPicPr>
+        <p:blipFill>
+          <a:blip r:embed="rId3">
+            <a:alphaModFix/>
+          </a:blip>
+          <a:stretch>
+            <a:fillRect/>
+          </a:stretch>
+        </p:blipFill>
+        <p:spPr>
+          <a:xfrm>
+            <a:off x="3591150" y="969825"/>
+            <a:ext cx="1745126" cy="1745126"/>
+          </a:xfrm>
+          <a:prstGeom prst="rect">
+            <a:avLst/>
+          </a:prstGeom>
+          <a:noFill/>
+          <a:ln>
+            <a:noFill/>
+          </a:ln>
+        </p:spPr>
+      </p:pic>
+      <p:sp>
+        <p:nvSpPr>
+          <p:cNvPr id="101" name="Google Shape;101;p7"/>
+          <p:cNvSpPr txBox="1"/>
+          <p:nvPr/>
+        </p:nvSpPr>
+        <p:spPr>
+          <a:xfrm>
+            <a:off x="3162900" y="2714950"/>
+            <a:ext cx="3281100" cy="3032400"/>
+          </a:xfrm>
+          <a:prstGeom prst="rect">
+            <a:avLst/>
+          </a:prstGeom>
+          <a:noFill/>
+          <a:ln>
+            <a:noFill/>
+          </a:ln>
+        </p:spPr>
+        <p:txBody>
+          <a:bodyPr spcFirstLastPara="1" wrap="square" lIns="91425" tIns="91425" rIns="91425" bIns="91425" anchor="t" anchorCtr="0">
+            <a:spAutoFit/>
+          </a:bodyPr>
+          <a:lstStyle/>
+          <a:p>
+            <a:pPr marL="457200" lvl="0" indent="0" algn="l" rtl="0">
+              <a:lnSpc>
+                <a:spcPct val="115000"/>
+              </a:lnSpc>
+              <a:spcBef>
+                <a:spcPts val="1200"/>
+              </a:spcBef>
+              <a:spcAft>
+                <a:spcPts val="0"/>
+              </a:spcAft>
+              <a:buNone/>
+            </a:pPr>
+            <a:r>
+              <a:rPr lang="uk-UA" b="1" dirty="0">
+                <a:solidFill>
+                  <a:schemeClr val="dk1"/>
+                </a:solidFill>
+                <a:latin typeface="Times New Roman"/>
+                <a:ea typeface="Times New Roman"/>
+                <a:cs typeface="Times New Roman"/>
+                <a:sym typeface="Times New Roman"/>
+              </a:rPr>
+              <a:t>GitHub</a:t>
+            </a:r>
+            <a:br>
+              <a:rPr lang="uk-UA" b="1" dirty="0">
+                <a:solidFill>
+                  <a:schemeClr val="dk1"/>
+                </a:solidFill>
+                <a:latin typeface="Times New Roman"/>
+                <a:ea typeface="Times New Roman"/>
+                <a:cs typeface="Times New Roman"/>
+                <a:sym typeface="Times New Roman"/>
+              </a:rPr>
+            </a:br>
+            <a:r>
+              <a:rPr lang="uk-UA" dirty="0">
+                <a:solidFill>
+                  <a:schemeClr val="dk1"/>
+                </a:solidFill>
+                <a:latin typeface="Times New Roman"/>
+                <a:ea typeface="Times New Roman"/>
+                <a:cs typeface="Times New Roman"/>
+                <a:sym typeface="Times New Roman"/>
+              </a:rPr>
+              <a:t> Веб-сервіс для зберігання та спільної роботи над програмним забезпеченням за допомогою системи контролю версій Git. Особливості:</a:t>
+            </a:r>
+            <a:endParaRPr dirty="0">
+              <a:solidFill>
+                <a:schemeClr val="dk1"/>
+              </a:solidFill>
+              <a:latin typeface="Times New Roman"/>
+              <a:ea typeface="Times New Roman"/>
+              <a:cs typeface="Times New Roman"/>
+              <a:sym typeface="Times New Roman"/>
+            </a:endParaRPr>
+          </a:p>
+          <a:p>
+            <a:pPr marL="914400" lvl="1" indent="-317500" algn="l" rtl="0">
+              <a:lnSpc>
+                <a:spcPct val="115000"/>
+              </a:lnSpc>
+              <a:spcBef>
+                <a:spcPts val="1200"/>
+              </a:spcBef>
+              <a:spcAft>
+                <a:spcPts val="0"/>
+              </a:spcAft>
+              <a:buClr>
+                <a:schemeClr val="dk1"/>
+              </a:buClr>
+              <a:buSzPts val="1400"/>
+              <a:buFont typeface="Times New Roman"/>
+              <a:buChar char="○"/>
+            </a:pPr>
+            <a:r>
+              <a:rPr lang="uk-UA" dirty="0">
+                <a:solidFill>
+                  <a:schemeClr val="dk1"/>
+                </a:solidFill>
+                <a:latin typeface="Times New Roman"/>
+                <a:ea typeface="Times New Roman"/>
+                <a:cs typeface="Times New Roman"/>
+                <a:sym typeface="Times New Roman"/>
+              </a:rPr>
+              <a:t>Можливість створення та спільного редагування коду з декількома розробниками.</a:t>
+            </a:r>
+            <a:endParaRPr dirty="0">
+              <a:solidFill>
+                <a:schemeClr val="dk1"/>
+              </a:solidFill>
+              <a:latin typeface="Times New Roman"/>
+              <a:ea typeface="Times New Roman"/>
+              <a:cs typeface="Times New Roman"/>
+              <a:sym typeface="Times New Roman"/>
+            </a:endParaRPr>
+          </a:p>
+          <a:p>
+            <a:pPr marL="914400" lvl="1" indent="-317500" algn="l" rtl="0">
+              <a:lnSpc>
+                <a:spcPct val="115000"/>
+              </a:lnSpc>
+              <a:spcBef>
+                <a:spcPts val="0"/>
+              </a:spcBef>
+              <a:spcAft>
+                <a:spcPts val="0"/>
+              </a:spcAft>
+              <a:buClr>
+                <a:schemeClr val="dk1"/>
+              </a:buClr>
+              <a:buSzPts val="1400"/>
+              <a:buFont typeface="Times New Roman"/>
+              <a:buChar char="○"/>
+            </a:pPr>
+            <a:r>
+              <a:rPr lang="uk-UA" dirty="0">
+                <a:solidFill>
+                  <a:schemeClr val="dk1"/>
+                </a:solidFill>
+                <a:latin typeface="Times New Roman"/>
+                <a:ea typeface="Times New Roman"/>
+                <a:cs typeface="Times New Roman"/>
+                <a:sym typeface="Times New Roman"/>
+              </a:rPr>
+              <a:t>Зручний інтерфейс для ведення проблем та задач.</a:t>
+            </a:r>
+            <a:endParaRPr dirty="0">
+              <a:solidFill>
+                <a:schemeClr val="dk1"/>
+              </a:solidFill>
+              <a:latin typeface="Times New Roman"/>
+              <a:ea typeface="Times New Roman"/>
+              <a:cs typeface="Times New Roman"/>
+              <a:sym typeface="Times New Roman"/>
+            </a:endParaRPr>
+          </a:p>
+        </p:txBody>
+      </p:sp>
+      <p:pic>
+        <p:nvPicPr>
+          <p:cNvPr id="104" name="Google Shape;104;p7"/>
+          <p:cNvPicPr preferRelativeResize="0"/>
+          <p:nvPr/>
+        </p:nvPicPr>
+        <p:blipFill>
+          <a:blip r:embed="rId4">
+            <a:alphaModFix/>
+          </a:blip>
+          <a:stretch>
+            <a:fillRect/>
+          </a:stretch>
+        </p:blipFill>
+        <p:spPr>
+          <a:xfrm>
+            <a:off x="464798" y="1001250"/>
+            <a:ext cx="1831700" cy="1831700"/>
+          </a:xfrm>
+          <a:prstGeom prst="rect">
+            <a:avLst/>
+          </a:prstGeom>
+          <a:noFill/>
+          <a:ln>
+            <a:noFill/>
+          </a:ln>
+        </p:spPr>
+      </p:pic>
+      <p:sp>
+        <p:nvSpPr>
+          <p:cNvPr id="2" name="Прямоугольник 1"/>
+          <p:cNvSpPr/>
+          <p:nvPr/>
+        </p:nvSpPr>
+        <p:spPr>
+          <a:xfrm>
+            <a:off x="7554369" y="3033811"/>
+            <a:ext cx="4444178" cy="954107"/>
+          </a:xfrm>
+          <a:prstGeom prst="rect">
+            <a:avLst/>
+          </a:prstGeom>
+        </p:spPr>
+        <p:txBody>
+          <a:bodyPr wrap="square">
+            <a:spAutoFit/>
+          </a:bodyPr>
+          <a:lstStyle/>
+          <a:p>
+            <a:r>
+              <a:rPr lang="en-US" b="1" dirty="0">
+                <a:solidFill>
+                  <a:srgbClr val="202122"/>
+                </a:solidFill>
+                <a:latin typeface="Arial" panose="020B0604020202020204" pitchFamily="34" charset="0"/>
+              </a:rPr>
+              <a:t>MySQL</a:t>
+            </a:r>
+            <a:r>
+              <a:rPr lang="en-US" dirty="0">
+                <a:solidFill>
+                  <a:srgbClr val="202122"/>
+                </a:solidFill>
+                <a:latin typeface="Arial" panose="020B0604020202020204" pitchFamily="34" charset="0"/>
+              </a:rPr>
+              <a:t> </a:t>
+            </a:r>
+            <a:endParaRPr lang="en-US" dirty="0" smtClean="0">
+              <a:solidFill>
+                <a:srgbClr val="202122"/>
+              </a:solidFill>
+              <a:latin typeface="Arial" panose="020B0604020202020204" pitchFamily="34" charset="0"/>
+            </a:endParaRPr>
+          </a:p>
+          <a:p>
+            <a:r>
+              <a:rPr lang="ru-RU" dirty="0">
+                <a:solidFill>
+                  <a:schemeClr val="tx1"/>
+                </a:solidFill>
+                <a:latin typeface="Arial" panose="020B0604020202020204" pitchFamily="34" charset="0"/>
+              </a:rPr>
+              <a:t>В</a:t>
+            </a:r>
+            <a:r>
+              <a:rPr lang="ru-RU" dirty="0" smtClean="0">
+                <a:solidFill>
+                  <a:schemeClr val="tx1"/>
+                </a:solidFill>
+                <a:latin typeface="Arial" panose="020B0604020202020204" pitchFamily="34" charset="0"/>
+              </a:rPr>
+              <a:t>ільна</a:t>
+            </a:r>
+            <a:r>
+              <a:rPr lang="ru-RU" dirty="0">
+                <a:solidFill>
+                  <a:schemeClr val="tx1"/>
+                </a:solidFill>
+                <a:latin typeface="Arial" panose="020B0604020202020204" pitchFamily="34" charset="0"/>
+              </a:rPr>
+              <a:t> система керування реляційними базами даних, </a:t>
+            </a:r>
+            <a:r>
+              <a:rPr lang="ru-RU" dirty="0">
+                <a:solidFill>
+                  <a:srgbClr val="202122"/>
+                </a:solidFill>
+                <a:latin typeface="Arial" panose="020B0604020202020204" pitchFamily="34" charset="0"/>
+              </a:rPr>
+              <a:t>яка була розроблена компанією «ТсХ» для підвищення швидкодії обробки великих баз даних.</a:t>
+            </a:r>
+            <a:endParaRPr lang="en-US" dirty="0"/>
+          </a:p>
+        </p:txBody>
+      </p:sp>
+      <p:sp>
+        <p:nvSpPr>
+          <p:cNvPr id="3" name="Прямоугольник 2"/>
+          <p:cNvSpPr/>
+          <p:nvPr/>
+        </p:nvSpPr>
+        <p:spPr>
+          <a:xfrm>
+            <a:off x="7403896" y="4362355"/>
+            <a:ext cx="4497314" cy="1384995"/>
+          </a:xfrm>
+          <a:prstGeom prst="rect">
+            <a:avLst/>
+          </a:prstGeom>
+        </p:spPr>
+        <p:txBody>
+          <a:bodyPr wrap="square">
+            <a:spAutoFit/>
+          </a:bodyPr>
+          <a:lstStyle/>
+          <a:p>
+            <a:pPr>
+              <a:buFont typeface="Arial" panose="020B0604020202020204" pitchFamily="34" charset="0"/>
+              <a:buChar char="•"/>
+            </a:pPr>
+            <a:r>
+              <a:rPr lang="ru-RU" dirty="0">
+                <a:solidFill>
+                  <a:srgbClr val="202122"/>
+                </a:solidFill>
+                <a:latin typeface="Arial" panose="020B0604020202020204" pitchFamily="34" charset="0"/>
+              </a:rPr>
+              <a:t>простота у встановленні та використанні;</a:t>
+            </a:r>
+          </a:p>
+          <a:p>
+            <a:pPr>
+              <a:buFont typeface="Arial" panose="020B0604020202020204" pitchFamily="34" charset="0"/>
+              <a:buChar char="•"/>
+            </a:pPr>
+            <a:r>
+              <a:rPr lang="ru-RU" dirty="0">
+                <a:solidFill>
+                  <a:srgbClr val="202122"/>
+                </a:solidFill>
+                <a:latin typeface="Arial" panose="020B0604020202020204" pitchFamily="34" charset="0"/>
+              </a:rPr>
+              <a:t>підтримується необмежена кількість користувачів, що одночасно працюють із БД;</a:t>
+            </a:r>
+          </a:p>
+          <a:p>
+            <a:pPr>
+              <a:buFont typeface="Arial" panose="020B0604020202020204" pitchFamily="34" charset="0"/>
+              <a:buChar char="•"/>
+            </a:pPr>
+            <a:r>
+              <a:rPr lang="ru-RU" dirty="0">
+                <a:solidFill>
+                  <a:srgbClr val="202122"/>
+                </a:solidFill>
+                <a:latin typeface="Arial" panose="020B0604020202020204" pitchFamily="34" charset="0"/>
+              </a:rPr>
+              <a:t>кількість рядків у таблицях може досягати 50 млн;</a:t>
+            </a:r>
+          </a:p>
+          <a:p>
+            <a:pPr>
+              <a:buFont typeface="Arial" panose="020B0604020202020204" pitchFamily="34" charset="0"/>
+              <a:buChar char="•"/>
+            </a:pPr>
+            <a:r>
+              <a:rPr lang="ru-RU" dirty="0">
+                <a:solidFill>
+                  <a:srgbClr val="202122"/>
+                </a:solidFill>
+                <a:latin typeface="Arial" panose="020B0604020202020204" pitchFamily="34" charset="0"/>
+              </a:rPr>
+              <a:t>висока швидкість виконання команд;</a:t>
+            </a:r>
+          </a:p>
+          <a:p>
+            <a:pPr>
+              <a:buFont typeface="Arial" panose="020B0604020202020204" pitchFamily="34" charset="0"/>
+              <a:buChar char="•"/>
+            </a:pPr>
+            <a:r>
+              <a:rPr lang="ru-RU" dirty="0">
+                <a:solidFill>
+                  <a:srgbClr val="202122"/>
+                </a:solidFill>
+                <a:latin typeface="Arial" panose="020B0604020202020204" pitchFamily="34" charset="0"/>
+              </a:rPr>
+              <a:t>наявність простої і ефективної системи безпеки.</a:t>
+            </a:r>
+          </a:p>
+        </p:txBody>
+      </p:sp>
+      <p:pic>
+        <p:nvPicPr>
+          <p:cNvPr id="1026" name="Picture 2" descr="Сервер баз данных MySQL"/>
+          <p:cNvPicPr>
+            <a:picLocks noChangeAspect="1" noChangeArrowheads="1"/>
+          </p:cNvPicPr>
+          <p:nvPr/>
+        </p:nvPicPr>
+        <p:blipFill>
+          <a:blip r:embed="rId5">
+            <a:extLst>
+              <a:ext uri="{28A0092B-C50C-407E-A947-70E740481C1C}">
+                <a14:useLocalDpi xmlns:a14="http://schemas.microsoft.com/office/drawing/2010/main" val="0"/>
+              </a:ext>
+            </a:extLst>
+          </a:blip>
+          <a:srcRect/>
+          <a:stretch>
+            <a:fillRect/>
+          </a:stretch>
+        </p:blipFill>
+        <p:spPr bwMode="auto">
+          <a:xfrm>
+            <a:off x="8738035" y="1087296"/>
+            <a:ext cx="1829037" cy="1829037"/>
+          </a:xfrm>
+          <a:prstGeom prst="rect">
+            <a:avLst/>
+          </a:prstGeom>
+          <a:noFill/>
+          <a:extLst>
+            <a:ext uri="{909E8E84-426E-40DD-AFC4-6F175D3DCCD1}">
+              <a14:hiddenFill xmlns:a14="http://schemas.microsoft.com/office/drawing/2010/main">
+                <a:solidFill>
+                  <a:srgbClr val="FFFFFF"/>
+                </a:solidFill>
+              </a14:hiddenFill>
+            </a:ext>
+          </a:extLst>
+        </p:spPr>
+      </p:pic>
+    </p:spTree>
+  </p:cSld>
+  <p:clrMapOvr>
+    <a:masterClrMapping/>
+  </p:clrMapOvr>
+</p:sld>
+</file>
+
+<file path=ppt/slides/slide4.xml><?xml version="1.0" encoding="utf-8"?>
+<p:sld xmlns:a="http://schemas.openxmlformats.org/drawingml/2006/main" xmlns:r="http://schemas.openxmlformats.org/officeDocument/2006/relationships" xmlns:p="http://schemas.openxmlformats.org/presentationml/2006/main">
+  <p:cSld>
+    <p:spTree>
+      <p:nvGrpSpPr>
+        <p:cNvPr id="1" name=""/>
+        <p:cNvGrpSpPr/>
+        <p:nvPr/>
+      </p:nvGrpSpPr>
+      <p:grpSpPr>
+        <a:xfrm>
+          <a:off x="0" y="0"/>
+          <a:ext cx="0" cy="0"/>
+          <a:chOff x="0" y="0"/>
+          <a:chExt cx="0" cy="0"/>
+        </a:xfrm>
+      </p:grpSpPr>
+      <p:sp>
+        <p:nvSpPr>
+          <p:cNvPr id="2" name="Заголовок 1"/>
+          <p:cNvSpPr>
+            <a:spLocks noGrp="1"/>
+          </p:cNvSpPr>
+          <p:nvPr>
+            <p:ph type="title"/>
+          </p:nvPr>
+        </p:nvSpPr>
+        <p:spPr/>
+        <p:txBody>
+          <a:bodyPr/>
+          <a:lstStyle/>
+          <a:p>
+            <a:r>
+              <a:rPr lang="en-US" dirty="0" smtClean="0"/>
+              <a:t>User Story</a:t>
+            </a:r>
+            <a:endParaRPr lang="en-US" dirty="0"/>
+          </a:p>
+        </p:txBody>
+      </p:sp>
+      <p:sp>
+        <p:nvSpPr>
+          <p:cNvPr id="4" name="Прямоугольник 3"/>
+          <p:cNvSpPr/>
+          <p:nvPr/>
+        </p:nvSpPr>
+        <p:spPr>
+          <a:xfrm>
+            <a:off x="585693" y="1751106"/>
+            <a:ext cx="8390965" cy="4832092"/>
+          </a:xfrm>
+          <a:prstGeom prst="rect">
+            <a:avLst/>
+          </a:prstGeom>
+        </p:spPr>
+        <p:txBody>
+          <a:bodyPr wrap="square">
+            <a:spAutoFit/>
+          </a:bodyPr>
+          <a:lstStyle/>
+          <a:p>
+            <a:r>
+              <a:rPr lang="uk-UA" b="1" dirty="0"/>
+              <a:t>Перегляд списку користувачів</a:t>
+            </a:r>
+            <a:endParaRPr lang="en-US" dirty="0"/>
+          </a:p>
+          <a:p>
+            <a:r>
+              <a:rPr lang="uk-UA" dirty="0"/>
+              <a:t>Опис:</a:t>
+            </a:r>
+            <a:endParaRPr lang="en-US" dirty="0"/>
+          </a:p>
+          <a:p>
+            <a:r>
+              <a:rPr lang="uk-UA" dirty="0"/>
+              <a:t>Як користувач, я хочу переглядати список усіх користувачів у системі.</a:t>
+            </a:r>
+            <a:endParaRPr lang="en-US" dirty="0"/>
+          </a:p>
+          <a:p>
+            <a:r>
+              <a:rPr lang="uk-UA" dirty="0"/>
+              <a:t>Діаграма послідовності</a:t>
+            </a:r>
+            <a:r>
+              <a:rPr lang="uk-UA" dirty="0" smtClean="0"/>
+              <a:t>:</a:t>
+            </a:r>
+            <a:endParaRPr lang="en-US" dirty="0" smtClean="0"/>
+          </a:p>
+          <a:p>
+            <a:endParaRPr lang="en-US" dirty="0" smtClean="0"/>
+          </a:p>
+          <a:p>
+            <a:endParaRPr lang="en-US" dirty="0"/>
+          </a:p>
+          <a:p>
+            <a:endParaRPr lang="en-US" dirty="0" smtClean="0"/>
+          </a:p>
+          <a:p>
+            <a:endParaRPr lang="en-US" dirty="0" smtClean="0"/>
+          </a:p>
+          <a:p>
+            <a:endParaRPr lang="en-US" dirty="0"/>
+          </a:p>
+          <a:p>
+            <a:endParaRPr lang="en-US" dirty="0" smtClean="0"/>
+          </a:p>
+          <a:p>
+            <a:endParaRPr lang="en-US" dirty="0"/>
+          </a:p>
+          <a:p>
+            <a:endParaRPr lang="en-US" dirty="0"/>
+          </a:p>
+          <a:p>
+            <a:endParaRPr lang="en-US" dirty="0" smtClean="0"/>
+          </a:p>
+          <a:p>
+            <a:endParaRPr lang="en-US" dirty="0"/>
+          </a:p>
+          <a:p>
+            <a:endParaRPr lang="en-US" dirty="0" smtClean="0"/>
+          </a:p>
+          <a:p>
+            <a:r>
+              <a:rPr lang="uk-UA" dirty="0" smtClean="0"/>
+              <a:t>Пояснення</a:t>
+            </a:r>
+            <a:r>
+              <a:rPr lang="uk-UA" dirty="0"/>
+              <a:t>:</a:t>
+            </a:r>
+            <a:endParaRPr lang="en-US" dirty="0"/>
+          </a:p>
+          <a:p>
+            <a:r>
+              <a:rPr lang="uk-UA" dirty="0"/>
+              <a:t>Користувач надсилає запит на отримання списку користувачів.</a:t>
+            </a:r>
+            <a:endParaRPr lang="en-US" dirty="0"/>
+          </a:p>
+          <a:p>
+            <a:r>
+              <a:rPr lang="uk-UA" dirty="0"/>
+              <a:t>Контролер UserController отримує запит.</a:t>
+            </a:r>
+            <a:endParaRPr lang="en-US" dirty="0"/>
+          </a:p>
+          <a:p>
+            <a:r>
+              <a:rPr lang="uk-UA" dirty="0"/>
+              <a:t>UserController викликає метод getAll() сервісу UserService.</a:t>
+            </a:r>
+            <a:endParaRPr lang="en-US" dirty="0"/>
+          </a:p>
+          <a:p>
+            <a:r>
+              <a:rPr lang="uk-UA" dirty="0"/>
+              <a:t>Сервіс UserService повертає список користувачів із репозиторію.</a:t>
+            </a:r>
+            <a:endParaRPr lang="en-US" dirty="0"/>
+          </a:p>
+          <a:p>
+            <a:r>
+              <a:rPr lang="uk-UA" dirty="0"/>
+              <a:t>UserController відправляє список користувачів як відповідь користувачеві.</a:t>
+            </a:r>
+            <a:endParaRPr lang="en-US" dirty="0"/>
+          </a:p>
+          <a:p>
+            <a:endParaRPr lang="en-US" dirty="0"/>
+          </a:p>
+        </p:txBody>
+      </p:sp>
+      <p:pic>
+        <p:nvPicPr>
+          <p:cNvPr id="5" name="Рисунок 4"/>
+          <p:cNvPicPr/>
+          <p:nvPr/>
+        </p:nvPicPr>
+        <p:blipFill>
+          <a:blip r:embed="rId2"/>
+          <a:stretch>
+            <a:fillRect/>
+          </a:stretch>
+        </p:blipFill>
+        <p:spPr>
+          <a:xfrm>
+            <a:off x="5268688" y="3084054"/>
+            <a:ext cx="5542748" cy="1556674"/>
+          </a:xfrm>
+          <a:prstGeom prst="rect">
+            <a:avLst/>
+          </a:prstGeom>
+        </p:spPr>
+      </p:pic>
+    </p:spTree>
+    <p:extLst>
+      <p:ext uri="{BB962C8B-B14F-4D97-AF65-F5344CB8AC3E}">
+        <p14:creationId xmlns:p14="http://schemas.microsoft.com/office/powerpoint/2010/main" val="2798764372"/>
+      </p:ext>
+    </p:extLst>
+  </p:cSld>
+  <p:clrMapOvr>
+    <a:masterClrMapping/>
+  </p:clrMapOvr>
+</p:sld>
+</file>
+
+<file path=ppt/slides/slide5.xml><?xml version="1.0" encoding="utf-8"?>
+<p:sld xmlns:a="http://schemas.openxmlformats.org/drawingml/2006/main" xmlns:r="http://schemas.openxmlformats.org/officeDocument/2006/relationships" xmlns:p="http://schemas.openxmlformats.org/presentationml/2006/main">
+  <p:cSld>
+    <p:spTree>
+      <p:nvGrpSpPr>
+        <p:cNvPr id="1" name=""/>
+        <p:cNvGrpSpPr/>
+        <p:nvPr/>
+      </p:nvGrpSpPr>
+      <p:grpSpPr>
+        <a:xfrm>
+          <a:off x="0" y="0"/>
+          <a:ext cx="0" cy="0"/>
+          <a:chOff x="0" y="0"/>
+          <a:chExt cx="0" cy="0"/>
+        </a:xfrm>
+      </p:grpSpPr>
+      <p:sp>
+        <p:nvSpPr>
+          <p:cNvPr id="3" name="Прямоугольник 2"/>
+          <p:cNvSpPr/>
+          <p:nvPr/>
+        </p:nvSpPr>
+        <p:spPr>
+          <a:xfrm>
+            <a:off x="496046" y="416616"/>
+            <a:ext cx="6096000" cy="992579"/>
+          </a:xfrm>
+          <a:prstGeom prst="rect">
+            <a:avLst/>
+          </a:prstGeom>
+        </p:spPr>
+        <p:txBody>
+          <a:bodyPr>
+            <a:spAutoFit/>
+          </a:bodyPr>
+          <a:lstStyle/>
+          <a:p>
+            <a:pPr>
+              <a:spcBef>
+                <a:spcPts val="95"/>
+              </a:spcBef>
+            </a:pPr>
+            <a:r>
+              <a:rPr lang="uk-UA" b="1" dirty="0">
+                <a:latin typeface="Times New Roman" panose="02020603050405020304" pitchFamily="18" charset="0"/>
+                <a:ea typeface="Times New Roman" panose="02020603050405020304" pitchFamily="18" charset="0"/>
+              </a:rPr>
+              <a:t>Створення нового користувача</a:t>
+            </a:r>
+            <a:endParaRPr lang="en-US" sz="2400" dirty="0">
+              <a:latin typeface="Times New Roman" panose="02020603050405020304" pitchFamily="18" charset="0"/>
+              <a:ea typeface="Times New Roman" panose="02020603050405020304" pitchFamily="18" charset="0"/>
+            </a:endParaRPr>
+          </a:p>
+          <a:p>
+            <a:pPr>
+              <a:spcBef>
+                <a:spcPts val="95"/>
+              </a:spcBef>
+            </a:pPr>
+            <a:r>
+              <a:rPr lang="uk-UA" dirty="0">
+                <a:latin typeface="Times New Roman" panose="02020603050405020304" pitchFamily="18" charset="0"/>
+                <a:ea typeface="Times New Roman" panose="02020603050405020304" pitchFamily="18" charset="0"/>
+              </a:rPr>
+              <a:t>Опис:</a:t>
+            </a:r>
+            <a:endParaRPr lang="en-US" sz="2400" dirty="0">
+              <a:latin typeface="Times New Roman" panose="02020603050405020304" pitchFamily="18" charset="0"/>
+              <a:ea typeface="Times New Roman" panose="02020603050405020304" pitchFamily="18" charset="0"/>
+            </a:endParaRPr>
+          </a:p>
+          <a:p>
+            <a:pPr>
+              <a:spcBef>
+                <a:spcPts val="95"/>
+              </a:spcBef>
+            </a:pPr>
+            <a:r>
+              <a:rPr lang="uk-UA" dirty="0">
+                <a:latin typeface="Times New Roman" panose="02020603050405020304" pitchFamily="18" charset="0"/>
+                <a:ea typeface="Times New Roman" panose="02020603050405020304" pitchFamily="18" charset="0"/>
+              </a:rPr>
+              <a:t>Як користувач, я хочу створювати нових користувачів у системі.</a:t>
+            </a:r>
+            <a:endParaRPr lang="en-US" sz="2400" dirty="0">
+              <a:latin typeface="Times New Roman" panose="02020603050405020304" pitchFamily="18" charset="0"/>
+              <a:ea typeface="Times New Roman" panose="02020603050405020304" pitchFamily="18" charset="0"/>
+            </a:endParaRPr>
+          </a:p>
+          <a:p>
+            <a:pPr>
+              <a:spcBef>
+                <a:spcPts val="95"/>
+              </a:spcBef>
+            </a:pPr>
+            <a:r>
+              <a:rPr lang="uk-UA" dirty="0">
+                <a:latin typeface="Times New Roman" panose="02020603050405020304" pitchFamily="18" charset="0"/>
+                <a:ea typeface="Times New Roman" panose="02020603050405020304" pitchFamily="18" charset="0"/>
+              </a:rPr>
+              <a:t>Діаграма послідовності:</a:t>
+            </a:r>
+            <a:endParaRPr lang="en-US" sz="2400" dirty="0">
+              <a:effectLst/>
+              <a:latin typeface="Times New Roman" panose="02020603050405020304" pitchFamily="18" charset="0"/>
+              <a:ea typeface="Times New Roman" panose="02020603050405020304" pitchFamily="18" charset="0"/>
+            </a:endParaRPr>
+          </a:p>
+        </p:txBody>
+      </p:sp>
+      <p:pic>
+        <p:nvPicPr>
+          <p:cNvPr id="4" name="Рисунок 3"/>
+          <p:cNvPicPr/>
+          <p:nvPr/>
+        </p:nvPicPr>
+        <p:blipFill>
+          <a:blip r:embed="rId2"/>
+          <a:stretch>
+            <a:fillRect/>
+          </a:stretch>
+        </p:blipFill>
+        <p:spPr>
+          <a:xfrm>
+            <a:off x="4912659" y="1511300"/>
+            <a:ext cx="6268085" cy="2209800"/>
+          </a:xfrm>
+          <a:prstGeom prst="rect">
+            <a:avLst/>
+          </a:prstGeom>
+        </p:spPr>
+      </p:pic>
+      <p:sp>
+        <p:nvSpPr>
+          <p:cNvPr id="5" name="Прямоугольник 4"/>
+          <p:cNvSpPr/>
+          <p:nvPr/>
+        </p:nvSpPr>
+        <p:spPr>
+          <a:xfrm>
+            <a:off x="412377" y="3960159"/>
+            <a:ext cx="6096000" cy="2539157"/>
+          </a:xfrm>
+          <a:prstGeom prst="rect">
+            <a:avLst/>
+          </a:prstGeom>
+        </p:spPr>
+        <p:txBody>
+          <a:bodyPr>
+            <a:spAutoFit/>
+          </a:bodyPr>
+          <a:lstStyle/>
+          <a:p>
+            <a:pPr>
+              <a:spcBef>
+                <a:spcPts val="95"/>
+              </a:spcBef>
+            </a:pPr>
+            <a:r>
+              <a:rPr lang="uk-UA" dirty="0">
+                <a:latin typeface="Times New Roman" panose="02020603050405020304" pitchFamily="18" charset="0"/>
+                <a:ea typeface="Times New Roman" panose="02020603050405020304" pitchFamily="18" charset="0"/>
+              </a:rPr>
+              <a:t>Пояснення:</a:t>
+            </a:r>
+            <a:endParaRPr lang="en-US" sz="2400" dirty="0">
+              <a:latin typeface="Times New Roman" panose="02020603050405020304" pitchFamily="18" charset="0"/>
+              <a:ea typeface="Times New Roman" panose="02020603050405020304" pitchFamily="18" charset="0"/>
+            </a:endParaRPr>
+          </a:p>
+          <a:p>
+            <a:pPr>
+              <a:spcBef>
+                <a:spcPts val="95"/>
+              </a:spcBef>
+            </a:pPr>
+            <a:r>
+              <a:rPr lang="uk-UA" dirty="0">
+                <a:latin typeface="Times New Roman" panose="02020603050405020304" pitchFamily="18" charset="0"/>
+                <a:ea typeface="Times New Roman" panose="02020603050405020304" pitchFamily="18" charset="0"/>
+              </a:rPr>
+              <a:t>Користувач надсилає запит на створення нового користувача, надаючи дані про нового користувача.</a:t>
+            </a:r>
+            <a:endParaRPr lang="en-US" sz="2400" dirty="0">
+              <a:latin typeface="Times New Roman" panose="02020603050405020304" pitchFamily="18" charset="0"/>
+              <a:ea typeface="Times New Roman" panose="02020603050405020304" pitchFamily="18" charset="0"/>
+            </a:endParaRPr>
+          </a:p>
+          <a:p>
+            <a:pPr>
+              <a:spcBef>
+                <a:spcPts val="95"/>
+              </a:spcBef>
+            </a:pPr>
+            <a:r>
+              <a:rPr lang="uk-UA" dirty="0">
+                <a:latin typeface="Times New Roman" panose="02020603050405020304" pitchFamily="18" charset="0"/>
+                <a:ea typeface="Times New Roman" panose="02020603050405020304" pitchFamily="18" charset="0"/>
+              </a:rPr>
+              <a:t>Контролер UserController отримує запит із даними нового користувача.</a:t>
+            </a:r>
+            <a:endParaRPr lang="en-US" sz="2400" dirty="0">
+              <a:latin typeface="Times New Roman" panose="02020603050405020304" pitchFamily="18" charset="0"/>
+              <a:ea typeface="Times New Roman" panose="02020603050405020304" pitchFamily="18" charset="0"/>
+            </a:endParaRPr>
+          </a:p>
+          <a:p>
+            <a:pPr>
+              <a:spcBef>
+                <a:spcPts val="95"/>
+              </a:spcBef>
+            </a:pPr>
+            <a:r>
+              <a:rPr lang="uk-UA" dirty="0">
+                <a:latin typeface="Times New Roman" panose="02020603050405020304" pitchFamily="18" charset="0"/>
+                <a:ea typeface="Times New Roman" panose="02020603050405020304" pitchFamily="18" charset="0"/>
+              </a:rPr>
+              <a:t>UserController викликає метод createUser() сервісу UserService, передаючи дані нового користувача.</a:t>
+            </a:r>
+            <a:endParaRPr lang="en-US" sz="2400" dirty="0">
+              <a:latin typeface="Times New Roman" panose="02020603050405020304" pitchFamily="18" charset="0"/>
+              <a:ea typeface="Times New Roman" panose="02020603050405020304" pitchFamily="18" charset="0"/>
+            </a:endParaRPr>
+          </a:p>
+          <a:p>
+            <a:pPr>
+              <a:spcBef>
+                <a:spcPts val="95"/>
+              </a:spcBef>
+            </a:pPr>
+            <a:r>
+              <a:rPr lang="uk-UA" dirty="0">
+                <a:latin typeface="Times New Roman" panose="02020603050405020304" pitchFamily="18" charset="0"/>
+                <a:ea typeface="Times New Roman" panose="02020603050405020304" pitchFamily="18" charset="0"/>
+              </a:rPr>
+              <a:t>Сервіс UserService створює нового користувача та зберігає його в репозиторії.</a:t>
+            </a:r>
+            <a:endParaRPr lang="en-US" sz="2400" dirty="0">
+              <a:latin typeface="Times New Roman" panose="02020603050405020304" pitchFamily="18" charset="0"/>
+              <a:ea typeface="Times New Roman" panose="02020603050405020304" pitchFamily="18" charset="0"/>
+            </a:endParaRPr>
+          </a:p>
+          <a:p>
+            <a:pPr>
+              <a:spcBef>
+                <a:spcPts val="95"/>
+              </a:spcBef>
+            </a:pPr>
+            <a:r>
+              <a:rPr lang="uk-UA" dirty="0">
+                <a:latin typeface="Times New Roman" panose="02020603050405020304" pitchFamily="18" charset="0"/>
+                <a:ea typeface="Times New Roman" panose="02020603050405020304" pitchFamily="18" charset="0"/>
+              </a:rPr>
+              <a:t>Сервіс UserService повертає створеного користувача.</a:t>
+            </a:r>
+            <a:endParaRPr lang="en-US" sz="2400" dirty="0">
+              <a:latin typeface="Times New Roman" panose="02020603050405020304" pitchFamily="18" charset="0"/>
+              <a:ea typeface="Times New Roman" panose="02020603050405020304" pitchFamily="18" charset="0"/>
+            </a:endParaRPr>
+          </a:p>
+          <a:p>
+            <a:pPr>
+              <a:spcBef>
+                <a:spcPts val="95"/>
+              </a:spcBef>
+            </a:pPr>
+            <a:r>
+              <a:rPr lang="uk-UA" dirty="0">
+                <a:latin typeface="Times New Roman" panose="02020603050405020304" pitchFamily="18" charset="0"/>
+                <a:ea typeface="Times New Roman" panose="02020603050405020304" pitchFamily="18" charset="0"/>
+              </a:rPr>
+              <a:t>UserController відправляє створеного користувача як відповідь користувачеві.</a:t>
+            </a:r>
+            <a:endParaRPr lang="en-US" sz="2400" dirty="0">
+              <a:effectLst/>
+              <a:latin typeface="Times New Roman" panose="02020603050405020304" pitchFamily="18" charset="0"/>
+              <a:ea typeface="Times New Roman" panose="02020603050405020304" pitchFamily="18" charset="0"/>
+            </a:endParaRPr>
+          </a:p>
+        </p:txBody>
+      </p:sp>
+    </p:spTree>
+    <p:extLst>
+      <p:ext uri="{BB962C8B-B14F-4D97-AF65-F5344CB8AC3E}">
+        <p14:creationId xmlns:p14="http://schemas.microsoft.com/office/powerpoint/2010/main" val="504051268"/>
+      </p:ext>
+    </p:extLst>
+  </p:cSld>
+  <p:clrMapOvr>
+    <a:masterClrMapping/>
+  </p:clrMapOvr>
+</p:sld>
+</file>
+
+<file path=ppt/slides/slide6.xml><?xml version="1.0" encoding="utf-8"?>
+<p:sld xmlns:a="http://schemas.openxmlformats.org/drawingml/2006/main" xmlns:r="http://schemas.openxmlformats.org/officeDocument/2006/relationships" xmlns:p="http://schemas.openxmlformats.org/presentationml/2006/main">
+  <p:cSld>
+    <p:spTree>
+      <p:nvGrpSpPr>
+        <p:cNvPr id="1" name=""/>
+        <p:cNvGrpSpPr/>
+        <p:nvPr/>
+      </p:nvGrpSpPr>
+      <p:grpSpPr>
+        <a:xfrm>
+          <a:off x="0" y="0"/>
+          <a:ext cx="0" cy="0"/>
+          <a:chOff x="0" y="0"/>
+          <a:chExt cx="0" cy="0"/>
+        </a:xfrm>
+      </p:grpSpPr>
+      <p:sp>
+        <p:nvSpPr>
+          <p:cNvPr id="2" name="Заголовок 1"/>
+          <p:cNvSpPr>
+            <a:spLocks noGrp="1"/>
+          </p:cNvSpPr>
+          <p:nvPr>
+            <p:ph type="title"/>
+          </p:nvPr>
+        </p:nvSpPr>
+        <p:spPr/>
+        <p:txBody>
+          <a:bodyPr/>
+          <a:lstStyle/>
+          <a:p>
+            <a:r>
+              <a:rPr lang="en-US" dirty="0" smtClean="0"/>
+              <a:t>Erd Diagram</a:t>
+            </a:r>
+            <a:endParaRPr lang="en-US" dirty="0"/>
+          </a:p>
+        </p:txBody>
+      </p:sp>
+      <p:pic>
+        <p:nvPicPr>
+          <p:cNvPr id="3" name="Рисунок 2"/>
+          <p:cNvPicPr>
+            <a:picLocks noChangeAspect="1"/>
+          </p:cNvPicPr>
+          <p:nvPr/>
+        </p:nvPicPr>
+        <p:blipFill>
+          <a:blip r:embed="rId2">
+            <a:extLst>
+              <a:ext uri="{28A0092B-C50C-407E-A947-70E740481C1C}">
+                <a14:useLocalDpi xmlns:a14="http://schemas.microsoft.com/office/drawing/2010/main" val="0"/>
+              </a:ext>
+            </a:extLst>
+          </a:blip>
+          <a:stretch>
+            <a:fillRect/>
+          </a:stretch>
+        </p:blipFill>
+        <p:spPr>
+          <a:xfrm>
+            <a:off x="638433" y="2175435"/>
+            <a:ext cx="5061270" cy="3888537"/>
+          </a:xfrm>
+          <a:prstGeom prst="rect">
+            <a:avLst/>
+          </a:prstGeom>
+        </p:spPr>
+      </p:pic>
+      <p:sp>
+        <p:nvSpPr>
+          <p:cNvPr id="4" name="Прямоугольник 3"/>
+          <p:cNvSpPr/>
+          <p:nvPr/>
+        </p:nvSpPr>
+        <p:spPr>
+          <a:xfrm>
+            <a:off x="5922682" y="1282041"/>
+            <a:ext cx="6000377" cy="4616648"/>
+          </a:xfrm>
+          <a:prstGeom prst="rect">
+            <a:avLst/>
+          </a:prstGeom>
+        </p:spPr>
+        <p:txBody>
+          <a:bodyPr wrap="square">
+            <a:spAutoFit/>
+          </a:bodyPr>
+          <a:lstStyle/>
+          <a:p>
+            <a:r>
+              <a:rPr lang="en-US" b="1" dirty="0">
+                <a:latin typeface="Times New Roman" panose="02020603050405020304" pitchFamily="18" charset="0"/>
+                <a:ea typeface="Times New Roman" panose="02020603050405020304" pitchFamily="18" charset="0"/>
+              </a:rPr>
+              <a:t>Сутність "Проект"</a:t>
+            </a:r>
+            <a:r>
+              <a:rPr lang="en-US" dirty="0">
+                <a:latin typeface="Times New Roman" panose="02020603050405020304" pitchFamily="18" charset="0"/>
+                <a:ea typeface="Times New Roman" panose="02020603050405020304" pitchFamily="18" charset="0"/>
+              </a:rPr>
+              <a:t>:</a:t>
+            </a:r>
+            <a:endParaRPr lang="en-US" sz="1200" dirty="0">
+              <a:latin typeface="Times New Roman" panose="02020603050405020304" pitchFamily="18" charset="0"/>
+              <a:ea typeface="Times New Roman" panose="02020603050405020304" pitchFamily="18" charset="0"/>
+            </a:endParaRPr>
+          </a:p>
+          <a:p>
+            <a:pPr marL="342900" lvl="0" indent="-342900">
+              <a:buSzPts val="1000"/>
+              <a:buFont typeface="Symbol" panose="05050102010706020507" pitchFamily="18" charset="2"/>
+              <a:buChar char=""/>
+              <a:tabLst>
+                <a:tab pos="457200" algn="l"/>
+              </a:tabLst>
+            </a:pPr>
+            <a:r>
+              <a:rPr lang="en-US" b="1" dirty="0">
+                <a:latin typeface="Times New Roman" panose="02020603050405020304" pitchFamily="18" charset="0"/>
+                <a:ea typeface="Times New Roman" panose="02020603050405020304" pitchFamily="18" charset="0"/>
+              </a:rPr>
+              <a:t>id</a:t>
+            </a:r>
+            <a:r>
+              <a:rPr lang="en-US" dirty="0">
+                <a:latin typeface="Times New Roman" panose="02020603050405020304" pitchFamily="18" charset="0"/>
+                <a:ea typeface="Times New Roman" panose="02020603050405020304" pitchFamily="18" charset="0"/>
+              </a:rPr>
+              <a:t>: унікальний ідентифікатор проекту.</a:t>
+            </a:r>
+            <a:endParaRPr lang="en-US" sz="1200" dirty="0">
+              <a:latin typeface="Times New Roman" panose="02020603050405020304" pitchFamily="18" charset="0"/>
+              <a:ea typeface="Times New Roman" panose="02020603050405020304" pitchFamily="18" charset="0"/>
+            </a:endParaRPr>
+          </a:p>
+          <a:p>
+            <a:pPr marL="342900" lvl="0" indent="-342900">
+              <a:buSzPts val="1000"/>
+              <a:buFont typeface="Symbol" panose="05050102010706020507" pitchFamily="18" charset="2"/>
+              <a:buChar char=""/>
+              <a:tabLst>
+                <a:tab pos="457200" algn="l"/>
+              </a:tabLst>
+            </a:pPr>
+            <a:r>
+              <a:rPr lang="en-US" b="1" dirty="0">
+                <a:latin typeface="Times New Roman" panose="02020603050405020304" pitchFamily="18" charset="0"/>
+                <a:ea typeface="Times New Roman" panose="02020603050405020304" pitchFamily="18" charset="0"/>
+              </a:rPr>
+              <a:t>project_name</a:t>
+            </a:r>
+            <a:r>
+              <a:rPr lang="en-US" dirty="0">
+                <a:latin typeface="Times New Roman" panose="02020603050405020304" pitchFamily="18" charset="0"/>
+                <a:ea typeface="Times New Roman" panose="02020603050405020304" pitchFamily="18" charset="0"/>
+              </a:rPr>
+              <a:t>: назва проекту.</a:t>
+            </a:r>
+            <a:endParaRPr lang="en-US" sz="1200" dirty="0">
+              <a:latin typeface="Times New Roman" panose="02020603050405020304" pitchFamily="18" charset="0"/>
+              <a:ea typeface="Times New Roman" panose="02020603050405020304" pitchFamily="18" charset="0"/>
+            </a:endParaRPr>
+          </a:p>
+          <a:p>
+            <a:pPr marL="342900" lvl="0" indent="-342900">
+              <a:buSzPts val="1000"/>
+              <a:buFont typeface="Symbol" panose="05050102010706020507" pitchFamily="18" charset="2"/>
+              <a:buChar char=""/>
+              <a:tabLst>
+                <a:tab pos="457200" algn="l"/>
+              </a:tabLst>
+            </a:pPr>
+            <a:r>
+              <a:rPr lang="en-US" b="1" dirty="0">
+                <a:latin typeface="Times New Roman" panose="02020603050405020304" pitchFamily="18" charset="0"/>
+                <a:ea typeface="Times New Roman" panose="02020603050405020304" pitchFamily="18" charset="0"/>
+              </a:rPr>
+              <a:t>description</a:t>
+            </a:r>
+            <a:r>
+              <a:rPr lang="en-US" dirty="0">
+                <a:latin typeface="Times New Roman" panose="02020603050405020304" pitchFamily="18" charset="0"/>
+                <a:ea typeface="Times New Roman" panose="02020603050405020304" pitchFamily="18" charset="0"/>
+              </a:rPr>
+              <a:t>: опис проекту.</a:t>
+            </a:r>
+            <a:endParaRPr lang="en-US" sz="1200" dirty="0">
+              <a:latin typeface="Times New Roman" panose="02020603050405020304" pitchFamily="18" charset="0"/>
+              <a:ea typeface="Times New Roman" panose="02020603050405020304" pitchFamily="18" charset="0"/>
+            </a:endParaRPr>
+          </a:p>
+          <a:p>
+            <a:pPr marL="342900" lvl="0" indent="-342900">
+              <a:buSzPts val="1000"/>
+              <a:buFont typeface="Symbol" panose="05050102010706020507" pitchFamily="18" charset="2"/>
+              <a:buChar char=""/>
+              <a:tabLst>
+                <a:tab pos="457200" algn="l"/>
+              </a:tabLst>
+            </a:pPr>
+            <a:r>
+              <a:rPr lang="en-US" b="1" dirty="0">
+                <a:latin typeface="Times New Roman" panose="02020603050405020304" pitchFamily="18" charset="0"/>
+                <a:ea typeface="Times New Roman" panose="02020603050405020304" pitchFamily="18" charset="0"/>
+              </a:rPr>
+              <a:t>start</a:t>
+            </a:r>
+            <a:r>
+              <a:rPr lang="en-US" dirty="0">
+                <a:latin typeface="Times New Roman" panose="02020603050405020304" pitchFamily="18" charset="0"/>
+                <a:ea typeface="Times New Roman" panose="02020603050405020304" pitchFamily="18" charset="0"/>
+              </a:rPr>
+              <a:t>: дата початку проекту.</a:t>
+            </a:r>
+            <a:endParaRPr lang="en-US" sz="1200" dirty="0">
+              <a:latin typeface="Times New Roman" panose="02020603050405020304" pitchFamily="18" charset="0"/>
+              <a:ea typeface="Times New Roman" panose="02020603050405020304" pitchFamily="18" charset="0"/>
+            </a:endParaRPr>
+          </a:p>
+          <a:p>
+            <a:pPr marL="342900" lvl="0" indent="-342900">
+              <a:buSzPts val="1000"/>
+              <a:buFont typeface="Symbol" panose="05050102010706020507" pitchFamily="18" charset="2"/>
+              <a:buChar char=""/>
+              <a:tabLst>
+                <a:tab pos="457200" algn="l"/>
+              </a:tabLst>
+            </a:pPr>
+            <a:r>
+              <a:rPr lang="en-US" b="1" dirty="0">
+                <a:latin typeface="Times New Roman" panose="02020603050405020304" pitchFamily="18" charset="0"/>
+                <a:ea typeface="Times New Roman" panose="02020603050405020304" pitchFamily="18" charset="0"/>
+              </a:rPr>
+              <a:t>end</a:t>
+            </a:r>
+            <a:r>
+              <a:rPr lang="en-US" dirty="0">
+                <a:latin typeface="Times New Roman" panose="02020603050405020304" pitchFamily="18" charset="0"/>
+                <a:ea typeface="Times New Roman" panose="02020603050405020304" pitchFamily="18" charset="0"/>
+              </a:rPr>
+              <a:t>: дата завершення проекту.</a:t>
+            </a:r>
+            <a:endParaRPr lang="en-US" sz="1200" dirty="0">
+              <a:latin typeface="Times New Roman" panose="02020603050405020304" pitchFamily="18" charset="0"/>
+              <a:ea typeface="Times New Roman" panose="02020603050405020304" pitchFamily="18" charset="0"/>
+            </a:endParaRPr>
+          </a:p>
+          <a:p>
+            <a:pPr marL="342900" lvl="0" indent="-342900">
+              <a:buSzPts val="1000"/>
+              <a:buFont typeface="Symbol" panose="05050102010706020507" pitchFamily="18" charset="2"/>
+              <a:buChar char=""/>
+              <a:tabLst>
+                <a:tab pos="457200" algn="l"/>
+              </a:tabLst>
+            </a:pPr>
+            <a:r>
+              <a:rPr lang="en-US" b="1" dirty="0">
+                <a:latin typeface="Times New Roman" panose="02020603050405020304" pitchFamily="18" charset="0"/>
+                <a:ea typeface="Times New Roman" panose="02020603050405020304" pitchFamily="18" charset="0"/>
+              </a:rPr>
+              <a:t>status</a:t>
+            </a:r>
+            <a:r>
+              <a:rPr lang="en-US" dirty="0">
+                <a:latin typeface="Times New Roman" panose="02020603050405020304" pitchFamily="18" charset="0"/>
+                <a:ea typeface="Times New Roman" panose="02020603050405020304" pitchFamily="18" charset="0"/>
+              </a:rPr>
+              <a:t>: статус проекту.</a:t>
+            </a:r>
+            <a:endParaRPr lang="en-US" sz="1200" dirty="0">
+              <a:latin typeface="Times New Roman" panose="02020603050405020304" pitchFamily="18" charset="0"/>
+              <a:ea typeface="Times New Roman" panose="02020603050405020304" pitchFamily="18" charset="0"/>
+            </a:endParaRPr>
+          </a:p>
+          <a:p>
+            <a:r>
+              <a:rPr lang="en-US" dirty="0">
+                <a:latin typeface="Symbol" panose="05050102010706020507" pitchFamily="18" charset="2"/>
+                <a:ea typeface="Times New Roman" panose="02020603050405020304" pitchFamily="18" charset="0"/>
+              </a:rPr>
+              <a:t>·</a:t>
+            </a:r>
+            <a:r>
+              <a:rPr lang="en-US" dirty="0">
+                <a:latin typeface="Times New Roman" panose="02020603050405020304" pitchFamily="18" charset="0"/>
+                <a:ea typeface="Times New Roman" panose="02020603050405020304" pitchFamily="18" charset="0"/>
+              </a:rPr>
+              <a:t>  </a:t>
+            </a:r>
+            <a:r>
+              <a:rPr lang="en-US" b="1" dirty="0">
+                <a:latin typeface="Times New Roman" panose="02020603050405020304" pitchFamily="18" charset="0"/>
+                <a:ea typeface="Times New Roman" panose="02020603050405020304" pitchFamily="18" charset="0"/>
+              </a:rPr>
+              <a:t>Сутність "Ресурси"</a:t>
+            </a:r>
+            <a:r>
+              <a:rPr lang="en-US" dirty="0">
+                <a:latin typeface="Times New Roman" panose="02020603050405020304" pitchFamily="18" charset="0"/>
+                <a:ea typeface="Times New Roman" panose="02020603050405020304" pitchFamily="18" charset="0"/>
+              </a:rPr>
+              <a:t>:</a:t>
+            </a:r>
+            <a:endParaRPr lang="en-US" sz="1200" dirty="0">
+              <a:latin typeface="Times New Roman" panose="02020603050405020304" pitchFamily="18" charset="0"/>
+              <a:ea typeface="Times New Roman" panose="02020603050405020304" pitchFamily="18" charset="0"/>
+            </a:endParaRPr>
+          </a:p>
+          <a:p>
+            <a:pPr marL="342900" lvl="0" indent="-342900">
+              <a:buSzPts val="1000"/>
+              <a:buFont typeface="Symbol" panose="05050102010706020507" pitchFamily="18" charset="2"/>
+              <a:buChar char=""/>
+              <a:tabLst>
+                <a:tab pos="457200" algn="l"/>
+              </a:tabLst>
+            </a:pPr>
+            <a:r>
+              <a:rPr lang="en-US" b="1" dirty="0">
+                <a:latin typeface="Times New Roman" panose="02020603050405020304" pitchFamily="18" charset="0"/>
+                <a:ea typeface="Times New Roman" panose="02020603050405020304" pitchFamily="18" charset="0"/>
+              </a:rPr>
+              <a:t>id</a:t>
+            </a:r>
+            <a:r>
+              <a:rPr lang="en-US" dirty="0">
+                <a:latin typeface="Times New Roman" panose="02020603050405020304" pitchFamily="18" charset="0"/>
+                <a:ea typeface="Times New Roman" panose="02020603050405020304" pitchFamily="18" charset="0"/>
+              </a:rPr>
+              <a:t>: унікальний ідентифікатор ресурсу.</a:t>
+            </a:r>
+            <a:endParaRPr lang="en-US" sz="1200" dirty="0">
+              <a:latin typeface="Times New Roman" panose="02020603050405020304" pitchFamily="18" charset="0"/>
+              <a:ea typeface="Times New Roman" panose="02020603050405020304" pitchFamily="18" charset="0"/>
+            </a:endParaRPr>
+          </a:p>
+          <a:p>
+            <a:pPr marL="342900" lvl="0" indent="-342900">
+              <a:buSzPts val="1000"/>
+              <a:buFont typeface="Symbol" panose="05050102010706020507" pitchFamily="18" charset="2"/>
+              <a:buChar char=""/>
+              <a:tabLst>
+                <a:tab pos="457200" algn="l"/>
+              </a:tabLst>
+            </a:pPr>
+            <a:r>
+              <a:rPr lang="en-US" b="1" dirty="0">
+                <a:latin typeface="Times New Roman" panose="02020603050405020304" pitchFamily="18" charset="0"/>
+                <a:ea typeface="Times New Roman" panose="02020603050405020304" pitchFamily="18" charset="0"/>
+              </a:rPr>
+              <a:t>resources_name</a:t>
+            </a:r>
+            <a:r>
+              <a:rPr lang="en-US" dirty="0">
+                <a:latin typeface="Times New Roman" panose="02020603050405020304" pitchFamily="18" charset="0"/>
+                <a:ea typeface="Times New Roman" panose="02020603050405020304" pitchFamily="18" charset="0"/>
+              </a:rPr>
+              <a:t>: назва ресурсу.</a:t>
+            </a:r>
+            <a:endParaRPr lang="en-US" sz="1200" dirty="0">
+              <a:latin typeface="Times New Roman" panose="02020603050405020304" pitchFamily="18" charset="0"/>
+              <a:ea typeface="Times New Roman" panose="02020603050405020304" pitchFamily="18" charset="0"/>
+            </a:endParaRPr>
+          </a:p>
+          <a:p>
+            <a:pPr marL="342900" lvl="0" indent="-342900">
+              <a:buSzPts val="1000"/>
+              <a:buFont typeface="Symbol" panose="05050102010706020507" pitchFamily="18" charset="2"/>
+              <a:buChar char=""/>
+              <a:tabLst>
+                <a:tab pos="457200" algn="l"/>
+              </a:tabLst>
+            </a:pPr>
+            <a:r>
+              <a:rPr lang="en-US" b="1" dirty="0">
+                <a:latin typeface="Times New Roman" panose="02020603050405020304" pitchFamily="18" charset="0"/>
+                <a:ea typeface="Times New Roman" panose="02020603050405020304" pitchFamily="18" charset="0"/>
+              </a:rPr>
+              <a:t>quantity</a:t>
+            </a:r>
+            <a:r>
+              <a:rPr lang="en-US" dirty="0">
+                <a:latin typeface="Times New Roman" panose="02020603050405020304" pitchFamily="18" charset="0"/>
+                <a:ea typeface="Times New Roman" panose="02020603050405020304" pitchFamily="18" charset="0"/>
+              </a:rPr>
+              <a:t>: кількість ресурсу.</a:t>
+            </a:r>
+            <a:endParaRPr lang="en-US" sz="1200" dirty="0">
+              <a:latin typeface="Times New Roman" panose="02020603050405020304" pitchFamily="18" charset="0"/>
+              <a:ea typeface="Times New Roman" panose="02020603050405020304" pitchFamily="18" charset="0"/>
+            </a:endParaRPr>
+          </a:p>
+          <a:p>
+            <a:pPr marL="342900" lvl="0" indent="-342900">
+              <a:buSzPts val="1000"/>
+              <a:buFont typeface="Symbol" panose="05050102010706020507" pitchFamily="18" charset="2"/>
+              <a:buChar char=""/>
+              <a:tabLst>
+                <a:tab pos="457200" algn="l"/>
+              </a:tabLst>
+            </a:pPr>
+            <a:r>
+              <a:rPr lang="en-US" b="1" dirty="0">
+                <a:latin typeface="Times New Roman" panose="02020603050405020304" pitchFamily="18" charset="0"/>
+                <a:ea typeface="Times New Roman" panose="02020603050405020304" pitchFamily="18" charset="0"/>
+              </a:rPr>
+              <a:t>cost</a:t>
+            </a:r>
+            <a:r>
+              <a:rPr lang="en-US" dirty="0">
+                <a:latin typeface="Times New Roman" panose="02020603050405020304" pitchFamily="18" charset="0"/>
+                <a:ea typeface="Times New Roman" panose="02020603050405020304" pitchFamily="18" charset="0"/>
+              </a:rPr>
+              <a:t>: вартість ресурсу.</a:t>
+            </a:r>
+            <a:endParaRPr lang="en-US" sz="1200" dirty="0">
+              <a:latin typeface="Times New Roman" panose="02020603050405020304" pitchFamily="18" charset="0"/>
+              <a:ea typeface="Times New Roman" panose="02020603050405020304" pitchFamily="18" charset="0"/>
+            </a:endParaRPr>
+          </a:p>
+          <a:p>
+            <a:pPr marL="342900" lvl="0" indent="-342900">
+              <a:buSzPts val="1000"/>
+              <a:buFont typeface="Symbol" panose="05050102010706020507" pitchFamily="18" charset="2"/>
+              <a:buChar char=""/>
+              <a:tabLst>
+                <a:tab pos="457200" algn="l"/>
+              </a:tabLst>
+            </a:pPr>
+            <a:r>
+              <a:rPr lang="en-US" b="1" dirty="0">
+                <a:latin typeface="Times New Roman" panose="02020603050405020304" pitchFamily="18" charset="0"/>
+                <a:ea typeface="Times New Roman" panose="02020603050405020304" pitchFamily="18" charset="0"/>
+              </a:rPr>
+              <a:t>project_id</a:t>
+            </a:r>
+            <a:r>
+              <a:rPr lang="en-US" dirty="0">
+                <a:latin typeface="Times New Roman" panose="02020603050405020304" pitchFamily="18" charset="0"/>
+                <a:ea typeface="Times New Roman" panose="02020603050405020304" pitchFamily="18" charset="0"/>
+              </a:rPr>
+              <a:t>: зовнішній ключ, що посилається на ідентифікатор проекту, до якого належить ресурс.</a:t>
+            </a:r>
+            <a:endParaRPr lang="en-US" sz="1200" dirty="0">
+              <a:latin typeface="Times New Roman" panose="02020603050405020304" pitchFamily="18" charset="0"/>
+              <a:ea typeface="Times New Roman" panose="02020603050405020304" pitchFamily="18" charset="0"/>
+            </a:endParaRPr>
+          </a:p>
+          <a:p>
+            <a:r>
+              <a:rPr lang="en-US" dirty="0">
+                <a:latin typeface="Symbol" panose="05050102010706020507" pitchFamily="18" charset="2"/>
+                <a:ea typeface="Times New Roman" panose="02020603050405020304" pitchFamily="18" charset="0"/>
+              </a:rPr>
+              <a:t>·</a:t>
+            </a:r>
+            <a:r>
+              <a:rPr lang="en-US" dirty="0">
+                <a:latin typeface="Times New Roman" panose="02020603050405020304" pitchFamily="18" charset="0"/>
+                <a:ea typeface="Times New Roman" panose="02020603050405020304" pitchFamily="18" charset="0"/>
+              </a:rPr>
+              <a:t>  </a:t>
+            </a:r>
+            <a:r>
+              <a:rPr lang="en-US" b="1" dirty="0">
+                <a:latin typeface="Times New Roman" panose="02020603050405020304" pitchFamily="18" charset="0"/>
+                <a:ea typeface="Times New Roman" panose="02020603050405020304" pitchFamily="18" charset="0"/>
+              </a:rPr>
+              <a:t>Зв'язок між "Проект" та "Ресурси"</a:t>
+            </a:r>
+            <a:r>
+              <a:rPr lang="en-US" dirty="0">
+                <a:latin typeface="Times New Roman" panose="02020603050405020304" pitchFamily="18" charset="0"/>
+                <a:ea typeface="Times New Roman" panose="02020603050405020304" pitchFamily="18" charset="0"/>
+              </a:rPr>
+              <a:t>:</a:t>
+            </a:r>
+            <a:endParaRPr lang="en-US" sz="1200" dirty="0">
+              <a:latin typeface="Times New Roman" panose="02020603050405020304" pitchFamily="18" charset="0"/>
+              <a:ea typeface="Times New Roman" panose="02020603050405020304" pitchFamily="18" charset="0"/>
+            </a:endParaRPr>
+          </a:p>
+          <a:p>
+            <a:pPr marL="342900" lvl="0" indent="-342900">
+              <a:buSzPts val="1000"/>
+              <a:buFont typeface="Symbol" panose="05050102010706020507" pitchFamily="18" charset="2"/>
+              <a:buChar char=""/>
+              <a:tabLst>
+                <a:tab pos="457200" algn="l"/>
+              </a:tabLst>
+            </a:pPr>
+            <a:r>
+              <a:rPr lang="en-US" dirty="0">
+                <a:latin typeface="Times New Roman" panose="02020603050405020304" pitchFamily="18" charset="0"/>
+                <a:ea typeface="Times New Roman" panose="02020603050405020304" pitchFamily="18" charset="0"/>
+              </a:rPr>
+              <a:t>Кожен проект може мати багато ресурсів, тому в таблиці "Ресурси" є зовнішній ключ project_id, який посилається на id проекту в таблиці "Проект". Це означає, що кожні ресурси пов'язані з конкретним проектом. Коли проект видаляється, всі пов'язані з ним ресурси також автоматично видаляються (ON DELETE CASCADE), щоб уникнути появи посилань на неіснуючі дані.</a:t>
+            </a:r>
+            <a:endParaRPr lang="en-US" sz="1200" dirty="0">
+              <a:effectLst/>
+              <a:latin typeface="Times New Roman" panose="02020603050405020304" pitchFamily="18" charset="0"/>
+              <a:ea typeface="Times New Roman" panose="02020603050405020304" pitchFamily="18" charset="0"/>
+            </a:endParaRPr>
+          </a:p>
+        </p:txBody>
+      </p:sp>
+    </p:spTree>
+    <p:extLst>
+      <p:ext uri="{BB962C8B-B14F-4D97-AF65-F5344CB8AC3E}">
+        <p14:creationId xmlns:p14="http://schemas.microsoft.com/office/powerpoint/2010/main" val="1838788018"/>
+      </p:ext>
+    </p:extLst>
+  </p:cSld>
+  <p:clrMapOvr>
+    <a:masterClrMapping/>
+  </p:clrMapOvr>
+</p:sld>
+</file>
+
+<file path=ppt/slides/slide7.xml><?xml version="1.0" encoding="utf-8"?>
+<p:sld xmlns:a="http://schemas.openxmlformats.org/drawingml/2006/main" xmlns:r="http://schemas.openxmlformats.org/officeDocument/2006/relationships" xmlns:p="http://schemas.openxmlformats.org/presentationml/2006/main">
+  <p:cSld>
+    <p:spTree>
+      <p:nvGrpSpPr>
+        <p:cNvPr id="1" name=""/>
+        <p:cNvGrpSpPr/>
+        <p:nvPr/>
+      </p:nvGrpSpPr>
+      <p:grpSpPr>
+        <a:xfrm>
+          <a:off x="0" y="0"/>
+          <a:ext cx="0" cy="0"/>
+          <a:chOff x="0" y="0"/>
+          <a:chExt cx="0" cy="0"/>
+        </a:xfrm>
+      </p:grpSpPr>
+      <p:sp>
+        <p:nvSpPr>
+          <p:cNvPr id="2" name="Заголовок 1"/>
+          <p:cNvSpPr>
+            <a:spLocks noGrp="1"/>
+          </p:cNvSpPr>
+          <p:nvPr>
+            <p:ph type="title"/>
+          </p:nvPr>
+        </p:nvSpPr>
+        <p:spPr/>
+        <p:txBody>
+          <a:bodyPr/>
+          <a:lstStyle/>
+          <a:p>
+            <a:r>
+              <a:rPr lang="ru-RU" dirty="0" smtClean="0"/>
+              <a:t>Опис </a:t>
+            </a:r>
+            <a:r>
+              <a:rPr lang="uk-UA" dirty="0" smtClean="0"/>
+              <a:t>діаграми класів</a:t>
+            </a:r>
+            <a:endParaRPr lang="en-US" dirty="0"/>
+          </a:p>
+        </p:txBody>
+      </p:sp>
+      <p:pic>
+        <p:nvPicPr>
+          <p:cNvPr id="3" name="Рисунок 2"/>
+          <p:cNvPicPr/>
+          <p:nvPr/>
+        </p:nvPicPr>
+        <p:blipFill>
+          <a:blip r:embed="rId2"/>
+          <a:stretch>
+            <a:fillRect/>
+          </a:stretch>
+        </p:blipFill>
+        <p:spPr>
+          <a:xfrm>
+            <a:off x="549836" y="1983833"/>
+            <a:ext cx="6908800" cy="3344545"/>
+          </a:xfrm>
+          <a:prstGeom prst="rect">
+            <a:avLst/>
+          </a:prstGeom>
+        </p:spPr>
+      </p:pic>
+      <p:sp>
+        <p:nvSpPr>
+          <p:cNvPr id="5" name="Прямоугольник 4"/>
+          <p:cNvSpPr/>
+          <p:nvPr/>
+        </p:nvSpPr>
+        <p:spPr>
+          <a:xfrm>
+            <a:off x="7566212" y="2366029"/>
+            <a:ext cx="3944471" cy="2462213"/>
+          </a:xfrm>
+          <a:prstGeom prst="rect">
+            <a:avLst/>
+          </a:prstGeom>
+        </p:spPr>
+        <p:txBody>
+          <a:bodyPr wrap="square">
+            <a:spAutoFit/>
+          </a:bodyPr>
+          <a:lstStyle/>
+          <a:p>
+            <a:r>
+              <a:rPr lang="ru-RU" dirty="0"/>
+              <a:t>У цій діаграмі показано взаємодію між контролерами (</a:t>
+            </a:r>
+            <a:r>
+              <a:rPr lang="en-US" dirty="0"/>
+              <a:t>UserController, ProjectController, ResourcesController) </a:t>
+            </a:r>
+            <a:r>
+              <a:rPr lang="ru-RU" dirty="0"/>
+              <a:t>та відповідними сервісами (</a:t>
+            </a:r>
+            <a:r>
+              <a:rPr lang="en-US" dirty="0"/>
+              <a:t>UserService, ProjectService, ResourcesService). </a:t>
+            </a:r>
+            <a:r>
+              <a:rPr lang="ru-RU" dirty="0"/>
+              <a:t>Контролери отримують запити від клієнтів та передають їх до сервісів для обробки. Сервіси виконують бізнес-логіку та взаємодіють з репозиторіями для роботи з даними в базі даних.</a:t>
+            </a:r>
+          </a:p>
+          <a:p>
+            <a:endParaRPr lang="ru-RU" dirty="0"/>
+          </a:p>
+        </p:txBody>
+      </p:sp>
+    </p:spTree>
+    <p:extLst>
+      <p:ext uri="{BB962C8B-B14F-4D97-AF65-F5344CB8AC3E}">
+        <p14:creationId xmlns:p14="http://schemas.microsoft.com/office/powerpoint/2010/main" val="3462314618"/>
+      </p:ext>
+    </p:extLst>
+  </p:cSld>
+  <p:clrMapOvr>
+    <a:masterClrMapping/>
+  </p:clrMapOvr>
+</p:sld>
+</file>
+
+<file path=ppt/slides/slide8.xml><?xml version="1.0" encoding="utf-8"?>
+<p:sld xmlns:a="http://schemas.openxmlformats.org/drawingml/2006/main" xmlns:r="http://schemas.openxmlformats.org/officeDocument/2006/relationships" xmlns:p="http://schemas.openxmlformats.org/presentationml/2006/main">
+  <p:cSld>
+    <p:spTree>
+      <p:nvGrpSpPr>
+        <p:cNvPr id="1" name=""/>
+        <p:cNvGrpSpPr/>
+        <p:nvPr/>
+      </p:nvGrpSpPr>
+      <p:grpSpPr>
+        <a:xfrm>
+          <a:off x="0" y="0"/>
+          <a:ext cx="0" cy="0"/>
+          <a:chOff x="0" y="0"/>
+          <a:chExt cx="0" cy="0"/>
+        </a:xfrm>
+      </p:grpSpPr>
+      <p:sp>
+        <p:nvSpPr>
+          <p:cNvPr id="2" name="Заголовок 1"/>
+          <p:cNvSpPr>
+            <a:spLocks noGrp="1"/>
+          </p:cNvSpPr>
+          <p:nvPr>
+            <p:ph type="title"/>
+          </p:nvPr>
+        </p:nvSpPr>
+        <p:spPr>
+          <a:xfrm>
+            <a:off x="467659" y="143996"/>
+            <a:ext cx="10515600" cy="1325563"/>
+          </a:xfrm>
+        </p:spPr>
+        <p:txBody>
+          <a:bodyPr/>
+          <a:lstStyle/>
+          <a:p>
+            <a:r>
+              <a:rPr lang="uk-UA" dirty="0" smtClean="0"/>
+              <a:t>Тестові сценарії</a:t>
+            </a:r>
+            <a:endParaRPr lang="en-US" dirty="0"/>
+          </a:p>
+        </p:txBody>
+      </p:sp>
+      <p:sp>
+        <p:nvSpPr>
+          <p:cNvPr id="3" name="Прямоугольник 2"/>
+          <p:cNvSpPr/>
+          <p:nvPr/>
+        </p:nvSpPr>
+        <p:spPr>
+          <a:xfrm>
+            <a:off x="304802" y="1427723"/>
+            <a:ext cx="8444753" cy="5078313"/>
+          </a:xfrm>
+          <a:prstGeom prst="rect">
+            <a:avLst/>
+          </a:prstGeom>
+        </p:spPr>
+        <p:txBody>
+          <a:bodyPr wrap="square">
+            <a:spAutoFit/>
+          </a:bodyPr>
+          <a:lstStyle/>
+          <a:p>
+            <a:pPr marL="342900" lvl="0" indent="-342900">
+              <a:buFont typeface="+mj-lt"/>
+              <a:buAutoNum type="arabicPeriod"/>
+              <a:tabLst>
+                <a:tab pos="457200" algn="l"/>
+              </a:tabLst>
+            </a:pPr>
+            <a:r>
+              <a:rPr lang="en-US" sz="1200" b="1" dirty="0" smtClean="0">
+                <a:latin typeface="Times New Roman" panose="02020603050405020304" pitchFamily="18" charset="0"/>
+                <a:ea typeface="Times New Roman" panose="02020603050405020304" pitchFamily="18" charset="0"/>
+              </a:rPr>
+              <a:t>UserController</a:t>
+            </a:r>
+            <a:r>
+              <a:rPr lang="en-US" sz="1200" b="1" dirty="0">
+                <a:latin typeface="Times New Roman" panose="02020603050405020304" pitchFamily="18" charset="0"/>
+                <a:ea typeface="Times New Roman" panose="02020603050405020304" pitchFamily="18" charset="0"/>
+              </a:rPr>
+              <a:t>:</a:t>
+            </a:r>
+            <a:endParaRPr lang="en-US" sz="1100" dirty="0">
+              <a:latin typeface="Times New Roman" panose="02020603050405020304" pitchFamily="18" charset="0"/>
+              <a:ea typeface="Times New Roman" panose="02020603050405020304" pitchFamily="18" charset="0"/>
+            </a:endParaRPr>
+          </a:p>
+          <a:p>
+            <a:pPr marL="742950" lvl="1" indent="-285750">
+              <a:buSzPts val="1000"/>
+              <a:buFont typeface="Courier New" panose="02070309020205020404" pitchFamily="49" charset="0"/>
+              <a:buChar char="o"/>
+              <a:tabLst>
+                <a:tab pos="914400" algn="l"/>
+              </a:tabLst>
+            </a:pPr>
+            <a:r>
+              <a:rPr lang="en-US" sz="1200" b="1" dirty="0">
+                <a:latin typeface="Times New Roman" panose="02020603050405020304" pitchFamily="18" charset="0"/>
+                <a:ea typeface="Times New Roman" panose="02020603050405020304" pitchFamily="18" charset="0"/>
+                <a:cs typeface="Times New Roman" panose="02020603050405020304" pitchFamily="18" charset="0"/>
+              </a:rPr>
+              <a:t>Тест на отримання всіх користувачів:</a:t>
+            </a:r>
+            <a:endParaRPr lang="en-US" sz="1100" dirty="0">
+              <a:latin typeface="Times New Roman" panose="02020603050405020304" pitchFamily="18" charset="0"/>
+              <a:ea typeface="Times New Roman" panose="02020603050405020304" pitchFamily="18" charset="0"/>
+              <a:cs typeface="Times New Roman" panose="02020603050405020304" pitchFamily="18" charset="0"/>
+            </a:endParaRPr>
+          </a:p>
+          <a:p>
+            <a:pPr marL="1143000" lvl="2" indent="-228600">
+              <a:buSzPts val="1000"/>
+              <a:buFont typeface="Wingdings" panose="05000000000000000000" pitchFamily="2" charset="2"/>
+              <a:buChar char=""/>
+              <a:tabLst>
+                <a:tab pos="1371600" algn="l"/>
+              </a:tabLst>
+            </a:pPr>
+            <a:r>
+              <a:rPr lang="en-US" sz="1200" dirty="0">
+                <a:latin typeface="Times New Roman" panose="02020603050405020304" pitchFamily="18" charset="0"/>
+                <a:ea typeface="Times New Roman" panose="02020603050405020304" pitchFamily="18" charset="0"/>
+              </a:rPr>
+              <a:t>Очікування: Отримати статус відповіді </a:t>
+            </a:r>
+            <a:r>
+              <a:rPr lang="en-US" sz="1000" dirty="0">
+                <a:latin typeface="Courier New" panose="02070309020205020404" pitchFamily="49" charset="0"/>
+                <a:ea typeface="Times New Roman" panose="02020603050405020304" pitchFamily="18" charset="0"/>
+              </a:rPr>
+              <a:t>200 OK</a:t>
+            </a:r>
+            <a:r>
+              <a:rPr lang="en-US" sz="1200" dirty="0">
+                <a:latin typeface="Times New Roman" panose="02020603050405020304" pitchFamily="18" charset="0"/>
+                <a:ea typeface="Times New Roman" panose="02020603050405020304" pitchFamily="18" charset="0"/>
+              </a:rPr>
+              <a:t> та список користувачів у форматі JSON.</a:t>
+            </a:r>
+            <a:endParaRPr lang="en-US" sz="1100" dirty="0">
+              <a:latin typeface="Times New Roman" panose="02020603050405020304" pitchFamily="18" charset="0"/>
+              <a:ea typeface="Times New Roman" panose="02020603050405020304" pitchFamily="18" charset="0"/>
+            </a:endParaRPr>
+          </a:p>
+          <a:p>
+            <a:pPr marL="742950" lvl="1" indent="-285750">
+              <a:buSzPts val="1000"/>
+              <a:buFont typeface="Courier New" panose="02070309020205020404" pitchFamily="49" charset="0"/>
+              <a:buChar char="o"/>
+              <a:tabLst>
+                <a:tab pos="914400" algn="l"/>
+              </a:tabLst>
+            </a:pPr>
+            <a:r>
+              <a:rPr lang="en-US" sz="1200" b="1" dirty="0">
+                <a:latin typeface="Times New Roman" panose="02020603050405020304" pitchFamily="18" charset="0"/>
+                <a:ea typeface="Times New Roman" panose="02020603050405020304" pitchFamily="18" charset="0"/>
+                <a:cs typeface="Times New Roman" panose="02020603050405020304" pitchFamily="18" charset="0"/>
+              </a:rPr>
+              <a:t>Тест на створення нового користувача:</a:t>
+            </a:r>
+            <a:endParaRPr lang="en-US" sz="1100" dirty="0">
+              <a:latin typeface="Times New Roman" panose="02020603050405020304" pitchFamily="18" charset="0"/>
+              <a:ea typeface="Times New Roman" panose="02020603050405020304" pitchFamily="18" charset="0"/>
+              <a:cs typeface="Times New Roman" panose="02020603050405020304" pitchFamily="18" charset="0"/>
+            </a:endParaRPr>
+          </a:p>
+          <a:p>
+            <a:pPr marL="1143000" lvl="2" indent="-228600">
+              <a:buSzPts val="1000"/>
+              <a:buFont typeface="Wingdings" panose="05000000000000000000" pitchFamily="2" charset="2"/>
+              <a:buChar char=""/>
+              <a:tabLst>
+                <a:tab pos="1371600" algn="l"/>
+              </a:tabLst>
+            </a:pPr>
+            <a:r>
+              <a:rPr lang="en-US" sz="1200" dirty="0">
+                <a:latin typeface="Times New Roman" panose="02020603050405020304" pitchFamily="18" charset="0"/>
+                <a:ea typeface="Times New Roman" panose="02020603050405020304" pitchFamily="18" charset="0"/>
+              </a:rPr>
+              <a:t>Очікування: Отримати статус відповіді </a:t>
+            </a:r>
+            <a:r>
+              <a:rPr lang="en-US" sz="1000" dirty="0">
+                <a:latin typeface="Courier New" panose="02070309020205020404" pitchFamily="49" charset="0"/>
+                <a:ea typeface="Times New Roman" panose="02020603050405020304" pitchFamily="18" charset="0"/>
+              </a:rPr>
+              <a:t>200 OK</a:t>
+            </a:r>
+            <a:r>
+              <a:rPr lang="en-US" sz="1200" dirty="0">
+                <a:latin typeface="Times New Roman" panose="02020603050405020304" pitchFamily="18" charset="0"/>
+                <a:ea typeface="Times New Roman" panose="02020603050405020304" pitchFamily="18" charset="0"/>
+              </a:rPr>
+              <a:t> та об'єкт нового користувача у форматі JSON.</a:t>
+            </a:r>
+            <a:endParaRPr lang="en-US" sz="1100" dirty="0">
+              <a:latin typeface="Times New Roman" panose="02020603050405020304" pitchFamily="18" charset="0"/>
+              <a:ea typeface="Times New Roman" panose="02020603050405020304" pitchFamily="18" charset="0"/>
+            </a:endParaRPr>
+          </a:p>
+          <a:p>
+            <a:pPr marL="742950" lvl="1" indent="-285750">
+              <a:buSzPts val="1000"/>
+              <a:buFont typeface="Courier New" panose="02070309020205020404" pitchFamily="49" charset="0"/>
+              <a:buChar char="o"/>
+              <a:tabLst>
+                <a:tab pos="914400" algn="l"/>
+              </a:tabLst>
+            </a:pPr>
+            <a:r>
+              <a:rPr lang="en-US" sz="1200" b="1" dirty="0">
+                <a:latin typeface="Times New Roman" panose="02020603050405020304" pitchFamily="18" charset="0"/>
+                <a:ea typeface="Times New Roman" panose="02020603050405020304" pitchFamily="18" charset="0"/>
+                <a:cs typeface="Times New Roman" panose="02020603050405020304" pitchFamily="18" charset="0"/>
+              </a:rPr>
+              <a:t>Тест на оновлення інформації про користувача:</a:t>
+            </a:r>
+            <a:endParaRPr lang="en-US" sz="1100" dirty="0">
+              <a:latin typeface="Times New Roman" panose="02020603050405020304" pitchFamily="18" charset="0"/>
+              <a:ea typeface="Times New Roman" panose="02020603050405020304" pitchFamily="18" charset="0"/>
+              <a:cs typeface="Times New Roman" panose="02020603050405020304" pitchFamily="18" charset="0"/>
+            </a:endParaRPr>
+          </a:p>
+          <a:p>
+            <a:pPr marL="1143000" lvl="2" indent="-228600">
+              <a:buSzPts val="1000"/>
+              <a:buFont typeface="Wingdings" panose="05000000000000000000" pitchFamily="2" charset="2"/>
+              <a:buChar char=""/>
+              <a:tabLst>
+                <a:tab pos="1371600" algn="l"/>
+              </a:tabLst>
+            </a:pPr>
+            <a:r>
+              <a:rPr lang="en-US" sz="1200" dirty="0">
+                <a:latin typeface="Times New Roman" panose="02020603050405020304" pitchFamily="18" charset="0"/>
+                <a:ea typeface="Times New Roman" panose="02020603050405020304" pitchFamily="18" charset="0"/>
+              </a:rPr>
+              <a:t>Очікування: Отримати статус відповіді </a:t>
+            </a:r>
+            <a:r>
+              <a:rPr lang="en-US" sz="1000" dirty="0">
+                <a:latin typeface="Courier New" panose="02070309020205020404" pitchFamily="49" charset="0"/>
+                <a:ea typeface="Times New Roman" panose="02020603050405020304" pitchFamily="18" charset="0"/>
+              </a:rPr>
+              <a:t>200 OK</a:t>
+            </a:r>
+            <a:r>
+              <a:rPr lang="en-US" sz="1200" dirty="0">
+                <a:latin typeface="Times New Roman" panose="02020603050405020304" pitchFamily="18" charset="0"/>
+                <a:ea typeface="Times New Roman" panose="02020603050405020304" pitchFamily="18" charset="0"/>
+              </a:rPr>
+              <a:t> та оновлений об'єкт користувача у форматі JSON.</a:t>
+            </a:r>
+            <a:endParaRPr lang="en-US" sz="1100" dirty="0">
+              <a:latin typeface="Times New Roman" panose="02020603050405020304" pitchFamily="18" charset="0"/>
+              <a:ea typeface="Times New Roman" panose="02020603050405020304" pitchFamily="18" charset="0"/>
+            </a:endParaRPr>
+          </a:p>
+          <a:p>
+            <a:pPr marL="742950" lvl="1" indent="-285750">
+              <a:buSzPts val="1000"/>
+              <a:buFont typeface="Courier New" panose="02070309020205020404" pitchFamily="49" charset="0"/>
+              <a:buChar char="o"/>
+              <a:tabLst>
+                <a:tab pos="914400" algn="l"/>
+              </a:tabLst>
+            </a:pPr>
+            <a:r>
+              <a:rPr lang="en-US" sz="1200" b="1" dirty="0">
+                <a:latin typeface="Times New Roman" panose="02020603050405020304" pitchFamily="18" charset="0"/>
+                <a:ea typeface="Times New Roman" panose="02020603050405020304" pitchFamily="18" charset="0"/>
+                <a:cs typeface="Times New Roman" panose="02020603050405020304" pitchFamily="18" charset="0"/>
+              </a:rPr>
+              <a:t>Тест на видалення користувача:</a:t>
+            </a:r>
+            <a:endParaRPr lang="en-US" sz="1100" dirty="0">
+              <a:latin typeface="Times New Roman" panose="02020603050405020304" pitchFamily="18" charset="0"/>
+              <a:ea typeface="Times New Roman" panose="02020603050405020304" pitchFamily="18" charset="0"/>
+              <a:cs typeface="Times New Roman" panose="02020603050405020304" pitchFamily="18" charset="0"/>
+            </a:endParaRPr>
+          </a:p>
+          <a:p>
+            <a:pPr marL="1143000" lvl="2" indent="-228600">
+              <a:buSzPts val="1000"/>
+              <a:buFont typeface="Wingdings" panose="05000000000000000000" pitchFamily="2" charset="2"/>
+              <a:buChar char=""/>
+              <a:tabLst>
+                <a:tab pos="1371600" algn="l"/>
+              </a:tabLst>
+            </a:pPr>
+            <a:r>
+              <a:rPr lang="en-US" sz="1200" dirty="0">
+                <a:latin typeface="Times New Roman" panose="02020603050405020304" pitchFamily="18" charset="0"/>
+                <a:ea typeface="Times New Roman" panose="02020603050405020304" pitchFamily="18" charset="0"/>
+              </a:rPr>
+              <a:t>Очікування: Отримати статус відповіді </a:t>
+            </a:r>
+            <a:r>
+              <a:rPr lang="en-US" sz="1000" dirty="0">
+                <a:latin typeface="Courier New" panose="02070309020205020404" pitchFamily="49" charset="0"/>
+                <a:ea typeface="Times New Roman" panose="02020603050405020304" pitchFamily="18" charset="0"/>
+              </a:rPr>
+              <a:t>204 No Content</a:t>
+            </a:r>
+            <a:r>
+              <a:rPr lang="en-US" sz="1200" dirty="0">
+                <a:latin typeface="Times New Roman" panose="02020603050405020304" pitchFamily="18" charset="0"/>
+                <a:ea typeface="Times New Roman" panose="02020603050405020304" pitchFamily="18" charset="0"/>
+              </a:rPr>
+              <a:t>.</a:t>
+            </a:r>
+            <a:endParaRPr lang="en-US" sz="1100" dirty="0">
+              <a:latin typeface="Times New Roman" panose="02020603050405020304" pitchFamily="18" charset="0"/>
+              <a:ea typeface="Times New Roman" panose="02020603050405020304" pitchFamily="18" charset="0"/>
+            </a:endParaRPr>
+          </a:p>
+          <a:p>
+            <a:pPr marL="342900" lvl="0" indent="-342900">
+              <a:buFont typeface="+mj-lt"/>
+              <a:buAutoNum type="arabicPeriod"/>
+              <a:tabLst>
+                <a:tab pos="457200" algn="l"/>
+              </a:tabLst>
+            </a:pPr>
+            <a:r>
+              <a:rPr lang="en-US" sz="1200" b="1" dirty="0">
+                <a:latin typeface="Times New Roman" panose="02020603050405020304" pitchFamily="18" charset="0"/>
+                <a:ea typeface="Times New Roman" panose="02020603050405020304" pitchFamily="18" charset="0"/>
+              </a:rPr>
+              <a:t>ProjectController:</a:t>
+            </a:r>
+            <a:endParaRPr lang="en-US" sz="1100" dirty="0">
+              <a:latin typeface="Times New Roman" panose="02020603050405020304" pitchFamily="18" charset="0"/>
+              <a:ea typeface="Times New Roman" panose="02020603050405020304" pitchFamily="18" charset="0"/>
+            </a:endParaRPr>
+          </a:p>
+          <a:p>
+            <a:pPr marL="742950" lvl="1" indent="-285750">
+              <a:buSzPts val="1000"/>
+              <a:buFont typeface="Courier New" panose="02070309020205020404" pitchFamily="49" charset="0"/>
+              <a:buChar char="o"/>
+              <a:tabLst>
+                <a:tab pos="914400" algn="l"/>
+              </a:tabLst>
+            </a:pPr>
+            <a:r>
+              <a:rPr lang="en-US" sz="1200" b="1" dirty="0">
+                <a:latin typeface="Times New Roman" panose="02020603050405020304" pitchFamily="18" charset="0"/>
+                <a:ea typeface="Times New Roman" panose="02020603050405020304" pitchFamily="18" charset="0"/>
+                <a:cs typeface="Times New Roman" panose="02020603050405020304" pitchFamily="18" charset="0"/>
+              </a:rPr>
+              <a:t>Тест на отримання всіх проектів:</a:t>
+            </a:r>
+            <a:endParaRPr lang="en-US" sz="1100" dirty="0">
+              <a:latin typeface="Times New Roman" panose="02020603050405020304" pitchFamily="18" charset="0"/>
+              <a:ea typeface="Times New Roman" panose="02020603050405020304" pitchFamily="18" charset="0"/>
+              <a:cs typeface="Times New Roman" panose="02020603050405020304" pitchFamily="18" charset="0"/>
+            </a:endParaRPr>
+          </a:p>
+          <a:p>
+            <a:pPr marL="1143000" lvl="2" indent="-228600">
+              <a:buSzPts val="1000"/>
+              <a:buFont typeface="Wingdings" panose="05000000000000000000" pitchFamily="2" charset="2"/>
+              <a:buChar char=""/>
+              <a:tabLst>
+                <a:tab pos="1371600" algn="l"/>
+              </a:tabLst>
+            </a:pPr>
+            <a:r>
+              <a:rPr lang="en-US" sz="1200" dirty="0">
+                <a:latin typeface="Times New Roman" panose="02020603050405020304" pitchFamily="18" charset="0"/>
+                <a:ea typeface="Times New Roman" panose="02020603050405020304" pitchFamily="18" charset="0"/>
+              </a:rPr>
+              <a:t>Очікування: Отримати статус відповіді </a:t>
+            </a:r>
+            <a:r>
+              <a:rPr lang="en-US" sz="1000" dirty="0">
+                <a:latin typeface="Courier New" panose="02070309020205020404" pitchFamily="49" charset="0"/>
+                <a:ea typeface="Times New Roman" panose="02020603050405020304" pitchFamily="18" charset="0"/>
+              </a:rPr>
+              <a:t>200 OK</a:t>
+            </a:r>
+            <a:r>
+              <a:rPr lang="en-US" sz="1200" dirty="0">
+                <a:latin typeface="Times New Roman" panose="02020603050405020304" pitchFamily="18" charset="0"/>
+                <a:ea typeface="Times New Roman" panose="02020603050405020304" pitchFamily="18" charset="0"/>
+              </a:rPr>
+              <a:t> та список проектів у форматі JSON.</a:t>
+            </a:r>
+            <a:endParaRPr lang="en-US" sz="1100" dirty="0">
+              <a:latin typeface="Times New Roman" panose="02020603050405020304" pitchFamily="18" charset="0"/>
+              <a:ea typeface="Times New Roman" panose="02020603050405020304" pitchFamily="18" charset="0"/>
+            </a:endParaRPr>
+          </a:p>
+          <a:p>
+            <a:pPr marL="742950" lvl="1" indent="-285750">
+              <a:buSzPts val="1000"/>
+              <a:buFont typeface="Courier New" panose="02070309020205020404" pitchFamily="49" charset="0"/>
+              <a:buChar char="o"/>
+              <a:tabLst>
+                <a:tab pos="914400" algn="l"/>
+              </a:tabLst>
+            </a:pPr>
+            <a:r>
+              <a:rPr lang="en-US" sz="1200" b="1" dirty="0">
+                <a:latin typeface="Times New Roman" panose="02020603050405020304" pitchFamily="18" charset="0"/>
+                <a:ea typeface="Times New Roman" panose="02020603050405020304" pitchFamily="18" charset="0"/>
+                <a:cs typeface="Times New Roman" panose="02020603050405020304" pitchFamily="18" charset="0"/>
+              </a:rPr>
+              <a:t>Тест на створення нового проекту:</a:t>
+            </a:r>
+            <a:endParaRPr lang="en-US" sz="1100" dirty="0">
+              <a:latin typeface="Times New Roman" panose="02020603050405020304" pitchFamily="18" charset="0"/>
+              <a:ea typeface="Times New Roman" panose="02020603050405020304" pitchFamily="18" charset="0"/>
+              <a:cs typeface="Times New Roman" panose="02020603050405020304" pitchFamily="18" charset="0"/>
+            </a:endParaRPr>
+          </a:p>
+          <a:p>
+            <a:pPr marL="1143000" lvl="2" indent="-228600">
+              <a:buSzPts val="1000"/>
+              <a:buFont typeface="Wingdings" panose="05000000000000000000" pitchFamily="2" charset="2"/>
+              <a:buChar char=""/>
+              <a:tabLst>
+                <a:tab pos="1371600" algn="l"/>
+              </a:tabLst>
+            </a:pPr>
+            <a:r>
+              <a:rPr lang="en-US" sz="1200" dirty="0">
+                <a:latin typeface="Times New Roman" panose="02020603050405020304" pitchFamily="18" charset="0"/>
+                <a:ea typeface="Times New Roman" panose="02020603050405020304" pitchFamily="18" charset="0"/>
+              </a:rPr>
+              <a:t>Очікування: Отримати статус відповіді </a:t>
+            </a:r>
+            <a:r>
+              <a:rPr lang="en-US" sz="1000" dirty="0">
+                <a:latin typeface="Courier New" panose="02070309020205020404" pitchFamily="49" charset="0"/>
+                <a:ea typeface="Times New Roman" panose="02020603050405020304" pitchFamily="18" charset="0"/>
+              </a:rPr>
+              <a:t>200 OK</a:t>
+            </a:r>
+            <a:r>
+              <a:rPr lang="en-US" sz="1200" dirty="0">
+                <a:latin typeface="Times New Roman" panose="02020603050405020304" pitchFamily="18" charset="0"/>
+                <a:ea typeface="Times New Roman" panose="02020603050405020304" pitchFamily="18" charset="0"/>
+              </a:rPr>
+              <a:t> та об'єкт нового проекту у форматі JSON.</a:t>
+            </a:r>
+            <a:endParaRPr lang="en-US" sz="1100" dirty="0">
+              <a:latin typeface="Times New Roman" panose="02020603050405020304" pitchFamily="18" charset="0"/>
+              <a:ea typeface="Times New Roman" panose="02020603050405020304" pitchFamily="18" charset="0"/>
+            </a:endParaRPr>
+          </a:p>
+          <a:p>
+            <a:pPr marL="742950" lvl="1" indent="-285750">
+              <a:buSzPts val="1000"/>
+              <a:buFont typeface="Courier New" panose="02070309020205020404" pitchFamily="49" charset="0"/>
+              <a:buChar char="o"/>
+              <a:tabLst>
+                <a:tab pos="914400" algn="l"/>
+              </a:tabLst>
+            </a:pPr>
+            <a:r>
+              <a:rPr lang="en-US" sz="1200" b="1" dirty="0">
+                <a:latin typeface="Times New Roman" panose="02020603050405020304" pitchFamily="18" charset="0"/>
+                <a:ea typeface="Times New Roman" panose="02020603050405020304" pitchFamily="18" charset="0"/>
+                <a:cs typeface="Times New Roman" panose="02020603050405020304" pitchFamily="18" charset="0"/>
+              </a:rPr>
+              <a:t>Тест на оновлення інформації про проект:</a:t>
+            </a:r>
+            <a:endParaRPr lang="en-US" sz="1100" dirty="0">
+              <a:latin typeface="Times New Roman" panose="02020603050405020304" pitchFamily="18" charset="0"/>
+              <a:ea typeface="Times New Roman" panose="02020603050405020304" pitchFamily="18" charset="0"/>
+              <a:cs typeface="Times New Roman" panose="02020603050405020304" pitchFamily="18" charset="0"/>
+            </a:endParaRPr>
+          </a:p>
+          <a:p>
+            <a:pPr marL="1143000" lvl="2" indent="-228600">
+              <a:buSzPts val="1000"/>
+              <a:buFont typeface="Wingdings" panose="05000000000000000000" pitchFamily="2" charset="2"/>
+              <a:buChar char=""/>
+              <a:tabLst>
+                <a:tab pos="1371600" algn="l"/>
+              </a:tabLst>
+            </a:pPr>
+            <a:r>
+              <a:rPr lang="en-US" sz="1200" dirty="0">
+                <a:latin typeface="Times New Roman" panose="02020603050405020304" pitchFamily="18" charset="0"/>
+                <a:ea typeface="Times New Roman" panose="02020603050405020304" pitchFamily="18" charset="0"/>
+              </a:rPr>
+              <a:t>Очікування: Отримати статус відповіді </a:t>
+            </a:r>
+            <a:r>
+              <a:rPr lang="en-US" sz="1000" dirty="0">
+                <a:latin typeface="Courier New" panose="02070309020205020404" pitchFamily="49" charset="0"/>
+                <a:ea typeface="Times New Roman" panose="02020603050405020304" pitchFamily="18" charset="0"/>
+              </a:rPr>
+              <a:t>200 OK</a:t>
+            </a:r>
+            <a:r>
+              <a:rPr lang="en-US" sz="1200" dirty="0">
+                <a:latin typeface="Times New Roman" panose="02020603050405020304" pitchFamily="18" charset="0"/>
+                <a:ea typeface="Times New Roman" panose="02020603050405020304" pitchFamily="18" charset="0"/>
+              </a:rPr>
+              <a:t> та оновлений об'єкт проекту у форматі JSON.</a:t>
+            </a:r>
+            <a:endParaRPr lang="en-US" sz="1100" dirty="0">
+              <a:latin typeface="Times New Roman" panose="02020603050405020304" pitchFamily="18" charset="0"/>
+              <a:ea typeface="Times New Roman" panose="02020603050405020304" pitchFamily="18" charset="0"/>
+            </a:endParaRPr>
+          </a:p>
+          <a:p>
+            <a:pPr marL="742950" lvl="1" indent="-285750">
+              <a:buSzPts val="1000"/>
+              <a:buFont typeface="Courier New" panose="02070309020205020404" pitchFamily="49" charset="0"/>
+              <a:buChar char="o"/>
+              <a:tabLst>
+                <a:tab pos="914400" algn="l"/>
+              </a:tabLst>
+            </a:pPr>
+            <a:r>
+              <a:rPr lang="en-US" sz="1200" b="1" dirty="0">
+                <a:latin typeface="Times New Roman" panose="02020603050405020304" pitchFamily="18" charset="0"/>
+                <a:ea typeface="Times New Roman" panose="02020603050405020304" pitchFamily="18" charset="0"/>
+                <a:cs typeface="Times New Roman" panose="02020603050405020304" pitchFamily="18" charset="0"/>
+              </a:rPr>
+              <a:t>Тест на видалення проекту:</a:t>
+            </a:r>
+            <a:endParaRPr lang="en-US" sz="1100" dirty="0">
+              <a:latin typeface="Times New Roman" panose="02020603050405020304" pitchFamily="18" charset="0"/>
+              <a:ea typeface="Times New Roman" panose="02020603050405020304" pitchFamily="18" charset="0"/>
+              <a:cs typeface="Times New Roman" panose="02020603050405020304" pitchFamily="18" charset="0"/>
+            </a:endParaRPr>
+          </a:p>
+          <a:p>
+            <a:pPr marL="1143000" lvl="2" indent="-228600">
+              <a:buSzPts val="1000"/>
+              <a:buFont typeface="Wingdings" panose="05000000000000000000" pitchFamily="2" charset="2"/>
+              <a:buChar char=""/>
+              <a:tabLst>
+                <a:tab pos="1371600" algn="l"/>
+              </a:tabLst>
+            </a:pPr>
+            <a:r>
+              <a:rPr lang="en-US" sz="1200" dirty="0">
+                <a:latin typeface="Times New Roman" panose="02020603050405020304" pitchFamily="18" charset="0"/>
+                <a:ea typeface="Times New Roman" panose="02020603050405020304" pitchFamily="18" charset="0"/>
+              </a:rPr>
+              <a:t>Очікування: Отримати статус відповіді </a:t>
+            </a:r>
+            <a:r>
+              <a:rPr lang="en-US" sz="1000" dirty="0">
+                <a:latin typeface="Courier New" panose="02070309020205020404" pitchFamily="49" charset="0"/>
+                <a:ea typeface="Times New Roman" panose="02020603050405020304" pitchFamily="18" charset="0"/>
+              </a:rPr>
+              <a:t>204 No Content</a:t>
+            </a:r>
+            <a:r>
+              <a:rPr lang="en-US" sz="1200" dirty="0">
+                <a:latin typeface="Times New Roman" panose="02020603050405020304" pitchFamily="18" charset="0"/>
+                <a:ea typeface="Times New Roman" panose="02020603050405020304" pitchFamily="18" charset="0"/>
+              </a:rPr>
+              <a:t>.</a:t>
+            </a:r>
+            <a:endParaRPr lang="en-US" sz="1100" dirty="0">
+              <a:latin typeface="Times New Roman" panose="02020603050405020304" pitchFamily="18" charset="0"/>
+              <a:ea typeface="Times New Roman" panose="02020603050405020304" pitchFamily="18" charset="0"/>
+            </a:endParaRPr>
+          </a:p>
+          <a:p>
+            <a:pPr marL="342900" lvl="0" indent="-342900">
+              <a:buFont typeface="+mj-lt"/>
+              <a:buAutoNum type="arabicPeriod"/>
+              <a:tabLst>
+                <a:tab pos="457200" algn="l"/>
+              </a:tabLst>
+            </a:pPr>
+            <a:r>
+              <a:rPr lang="en-US" sz="1200" b="1" dirty="0">
+                <a:latin typeface="Times New Roman" panose="02020603050405020304" pitchFamily="18" charset="0"/>
+                <a:ea typeface="Times New Roman" panose="02020603050405020304" pitchFamily="18" charset="0"/>
+              </a:rPr>
+              <a:t>ResourcesController:</a:t>
+            </a:r>
+            <a:endParaRPr lang="en-US" sz="1100" dirty="0">
+              <a:latin typeface="Times New Roman" panose="02020603050405020304" pitchFamily="18" charset="0"/>
+              <a:ea typeface="Times New Roman" panose="02020603050405020304" pitchFamily="18" charset="0"/>
+            </a:endParaRPr>
+          </a:p>
+          <a:p>
+            <a:pPr marL="742950" lvl="1" indent="-285750">
+              <a:buSzPts val="1000"/>
+              <a:buFont typeface="Courier New" panose="02070309020205020404" pitchFamily="49" charset="0"/>
+              <a:buChar char="o"/>
+              <a:tabLst>
+                <a:tab pos="914400" algn="l"/>
+              </a:tabLst>
+            </a:pPr>
+            <a:r>
+              <a:rPr lang="en-US" sz="1200" b="1" dirty="0">
+                <a:latin typeface="Times New Roman" panose="02020603050405020304" pitchFamily="18" charset="0"/>
+                <a:ea typeface="Times New Roman" panose="02020603050405020304" pitchFamily="18" charset="0"/>
+                <a:cs typeface="Times New Roman" panose="02020603050405020304" pitchFamily="18" charset="0"/>
+              </a:rPr>
+              <a:t>Тест на отримання всіх ресурсів:</a:t>
+            </a:r>
+            <a:endParaRPr lang="en-US" sz="1100" dirty="0">
+              <a:latin typeface="Times New Roman" panose="02020603050405020304" pitchFamily="18" charset="0"/>
+              <a:ea typeface="Times New Roman" panose="02020603050405020304" pitchFamily="18" charset="0"/>
+              <a:cs typeface="Times New Roman" panose="02020603050405020304" pitchFamily="18" charset="0"/>
+            </a:endParaRPr>
+          </a:p>
+          <a:p>
+            <a:pPr marL="1143000" lvl="2" indent="-228600">
+              <a:buSzPts val="1000"/>
+              <a:buFont typeface="Wingdings" panose="05000000000000000000" pitchFamily="2" charset="2"/>
+              <a:buChar char=""/>
+              <a:tabLst>
+                <a:tab pos="1371600" algn="l"/>
+              </a:tabLst>
+            </a:pPr>
+            <a:r>
+              <a:rPr lang="en-US" sz="1200" dirty="0">
+                <a:latin typeface="Times New Roman" panose="02020603050405020304" pitchFamily="18" charset="0"/>
+                <a:ea typeface="Times New Roman" panose="02020603050405020304" pitchFamily="18" charset="0"/>
+              </a:rPr>
+              <a:t>Очікування: Отримати статус відповіді </a:t>
+            </a:r>
+            <a:r>
+              <a:rPr lang="en-US" sz="1000" dirty="0">
+                <a:latin typeface="Courier New" panose="02070309020205020404" pitchFamily="49" charset="0"/>
+                <a:ea typeface="Times New Roman" panose="02020603050405020304" pitchFamily="18" charset="0"/>
+              </a:rPr>
+              <a:t>200 OK</a:t>
+            </a:r>
+            <a:r>
+              <a:rPr lang="en-US" sz="1200" dirty="0">
+                <a:latin typeface="Times New Roman" panose="02020603050405020304" pitchFamily="18" charset="0"/>
+                <a:ea typeface="Times New Roman" panose="02020603050405020304" pitchFamily="18" charset="0"/>
+              </a:rPr>
+              <a:t> та список ресурсів у форматі JSON.</a:t>
+            </a:r>
+            <a:endParaRPr lang="en-US" sz="1100" dirty="0">
+              <a:latin typeface="Times New Roman" panose="02020603050405020304" pitchFamily="18" charset="0"/>
+              <a:ea typeface="Times New Roman" panose="02020603050405020304" pitchFamily="18" charset="0"/>
+            </a:endParaRPr>
+          </a:p>
+          <a:p>
+            <a:pPr marL="742950" lvl="1" indent="-285750">
+              <a:buSzPts val="1000"/>
+              <a:buFont typeface="Courier New" panose="02070309020205020404" pitchFamily="49" charset="0"/>
+              <a:buChar char="o"/>
+              <a:tabLst>
+                <a:tab pos="914400" algn="l"/>
+              </a:tabLst>
+            </a:pPr>
+            <a:r>
+              <a:rPr lang="en-US" sz="1200" b="1" dirty="0">
+                <a:latin typeface="Times New Roman" panose="02020603050405020304" pitchFamily="18" charset="0"/>
+                <a:ea typeface="Times New Roman" panose="02020603050405020304" pitchFamily="18" charset="0"/>
+                <a:cs typeface="Times New Roman" panose="02020603050405020304" pitchFamily="18" charset="0"/>
+              </a:rPr>
+              <a:t>Тест на створення нового ресурсу:</a:t>
+            </a:r>
+            <a:endParaRPr lang="en-US" sz="1100" dirty="0">
+              <a:latin typeface="Times New Roman" panose="02020603050405020304" pitchFamily="18" charset="0"/>
+              <a:ea typeface="Times New Roman" panose="02020603050405020304" pitchFamily="18" charset="0"/>
+              <a:cs typeface="Times New Roman" panose="02020603050405020304" pitchFamily="18" charset="0"/>
+            </a:endParaRPr>
+          </a:p>
+          <a:p>
+            <a:pPr marL="1143000" lvl="2" indent="-228600">
+              <a:buSzPts val="1000"/>
+              <a:buFont typeface="Wingdings" panose="05000000000000000000" pitchFamily="2" charset="2"/>
+              <a:buChar char=""/>
+              <a:tabLst>
+                <a:tab pos="1371600" algn="l"/>
+              </a:tabLst>
+            </a:pPr>
+            <a:r>
+              <a:rPr lang="en-US" sz="1200" dirty="0">
+                <a:latin typeface="Times New Roman" panose="02020603050405020304" pitchFamily="18" charset="0"/>
+                <a:ea typeface="Times New Roman" panose="02020603050405020304" pitchFamily="18" charset="0"/>
+              </a:rPr>
+              <a:t>Очікування: Отримати статус відповіді </a:t>
+            </a:r>
+            <a:r>
+              <a:rPr lang="en-US" sz="1000" dirty="0">
+                <a:latin typeface="Courier New" panose="02070309020205020404" pitchFamily="49" charset="0"/>
+                <a:ea typeface="Times New Roman" panose="02020603050405020304" pitchFamily="18" charset="0"/>
+              </a:rPr>
+              <a:t>200 OK</a:t>
+            </a:r>
+            <a:r>
+              <a:rPr lang="en-US" sz="1200" dirty="0">
+                <a:latin typeface="Times New Roman" panose="02020603050405020304" pitchFamily="18" charset="0"/>
+                <a:ea typeface="Times New Roman" panose="02020603050405020304" pitchFamily="18" charset="0"/>
+              </a:rPr>
+              <a:t> та об'єкт нового ресурсу у форматі JSON.</a:t>
+            </a:r>
+            <a:endParaRPr lang="en-US" sz="1100" dirty="0">
+              <a:latin typeface="Times New Roman" panose="02020603050405020304" pitchFamily="18" charset="0"/>
+              <a:ea typeface="Times New Roman" panose="02020603050405020304" pitchFamily="18" charset="0"/>
+            </a:endParaRPr>
+          </a:p>
+          <a:p>
+            <a:pPr marL="742950" lvl="1" indent="-285750">
+              <a:buSzPts val="1000"/>
+              <a:buFont typeface="Courier New" panose="02070309020205020404" pitchFamily="49" charset="0"/>
+              <a:buChar char="o"/>
+              <a:tabLst>
+                <a:tab pos="914400" algn="l"/>
+              </a:tabLst>
+            </a:pPr>
+            <a:r>
+              <a:rPr lang="en-US" sz="1200" b="1" dirty="0">
+                <a:latin typeface="Times New Roman" panose="02020603050405020304" pitchFamily="18" charset="0"/>
+                <a:ea typeface="Times New Roman" panose="02020603050405020304" pitchFamily="18" charset="0"/>
+                <a:cs typeface="Times New Roman" panose="02020603050405020304" pitchFamily="18" charset="0"/>
+              </a:rPr>
+              <a:t>Тест на оновлення інформації про ресурс:</a:t>
+            </a:r>
+            <a:endParaRPr lang="en-US" sz="1100" dirty="0">
+              <a:latin typeface="Times New Roman" panose="02020603050405020304" pitchFamily="18" charset="0"/>
+              <a:ea typeface="Times New Roman" panose="02020603050405020304" pitchFamily="18" charset="0"/>
+              <a:cs typeface="Times New Roman" panose="02020603050405020304" pitchFamily="18" charset="0"/>
+            </a:endParaRPr>
+          </a:p>
+          <a:p>
+            <a:pPr marL="1143000" lvl="2" indent="-228600">
+              <a:buSzPts val="1000"/>
+              <a:buFont typeface="Wingdings" panose="05000000000000000000" pitchFamily="2" charset="2"/>
+              <a:buChar char=""/>
+              <a:tabLst>
+                <a:tab pos="1371600" algn="l"/>
+              </a:tabLst>
+            </a:pPr>
+            <a:r>
+              <a:rPr lang="en-US" sz="1200" dirty="0">
+                <a:latin typeface="Times New Roman" panose="02020603050405020304" pitchFamily="18" charset="0"/>
+                <a:ea typeface="Times New Roman" panose="02020603050405020304" pitchFamily="18" charset="0"/>
+              </a:rPr>
+              <a:t>Очікування: Отримати статус відповіді </a:t>
+            </a:r>
+            <a:r>
+              <a:rPr lang="en-US" sz="1000" dirty="0">
+                <a:latin typeface="Courier New" panose="02070309020205020404" pitchFamily="49" charset="0"/>
+                <a:ea typeface="Times New Roman" panose="02020603050405020304" pitchFamily="18" charset="0"/>
+              </a:rPr>
+              <a:t>200 OK</a:t>
+            </a:r>
+            <a:r>
+              <a:rPr lang="en-US" sz="1200" dirty="0">
+                <a:latin typeface="Times New Roman" panose="02020603050405020304" pitchFamily="18" charset="0"/>
+                <a:ea typeface="Times New Roman" panose="02020603050405020304" pitchFamily="18" charset="0"/>
+              </a:rPr>
+              <a:t> та оновлений об'єкт ресурсу у форматі JSON.</a:t>
+            </a:r>
+            <a:endParaRPr lang="en-US" sz="1100" dirty="0">
+              <a:latin typeface="Times New Roman" panose="02020603050405020304" pitchFamily="18" charset="0"/>
+              <a:ea typeface="Times New Roman" panose="02020603050405020304" pitchFamily="18" charset="0"/>
+            </a:endParaRPr>
+          </a:p>
+          <a:p>
+            <a:pPr marL="742950" lvl="1" indent="-285750">
+              <a:buSzPts val="1000"/>
+              <a:buFont typeface="Courier New" panose="02070309020205020404" pitchFamily="49" charset="0"/>
+              <a:buChar char="o"/>
+              <a:tabLst>
+                <a:tab pos="914400" algn="l"/>
+              </a:tabLst>
+            </a:pPr>
+            <a:r>
+              <a:rPr lang="en-US" sz="1200" b="1" dirty="0">
+                <a:latin typeface="Times New Roman" panose="02020603050405020304" pitchFamily="18" charset="0"/>
+                <a:ea typeface="Times New Roman" panose="02020603050405020304" pitchFamily="18" charset="0"/>
+                <a:cs typeface="Times New Roman" panose="02020603050405020304" pitchFamily="18" charset="0"/>
+              </a:rPr>
+              <a:t>Тест на видалення ресурсу:</a:t>
+            </a:r>
+            <a:endParaRPr lang="en-US" sz="1100" dirty="0">
+              <a:latin typeface="Times New Roman" panose="02020603050405020304" pitchFamily="18" charset="0"/>
+              <a:ea typeface="Times New Roman" panose="02020603050405020304" pitchFamily="18" charset="0"/>
+              <a:cs typeface="Times New Roman" panose="02020603050405020304" pitchFamily="18" charset="0"/>
+            </a:endParaRPr>
+          </a:p>
+          <a:p>
+            <a:pPr marL="1143000" lvl="2" indent="-228600">
+              <a:buSzPts val="1000"/>
+              <a:buFont typeface="Wingdings" panose="05000000000000000000" pitchFamily="2" charset="2"/>
+              <a:buChar char=""/>
+              <a:tabLst>
+                <a:tab pos="1371600" algn="l"/>
+              </a:tabLst>
+            </a:pPr>
+            <a:r>
+              <a:rPr lang="en-US" sz="1200" dirty="0">
+                <a:latin typeface="Times New Roman" panose="02020603050405020304" pitchFamily="18" charset="0"/>
+                <a:ea typeface="Times New Roman" panose="02020603050405020304" pitchFamily="18" charset="0"/>
+              </a:rPr>
+              <a:t>Очікування: Отримати статус відповіді </a:t>
+            </a:r>
+            <a:r>
+              <a:rPr lang="en-US" sz="1000" dirty="0">
+                <a:latin typeface="Courier New" panose="02070309020205020404" pitchFamily="49" charset="0"/>
+                <a:ea typeface="Times New Roman" panose="02020603050405020304" pitchFamily="18" charset="0"/>
+              </a:rPr>
+              <a:t>204 No Content</a:t>
+            </a:r>
+            <a:r>
+              <a:rPr lang="en-US" sz="1200" dirty="0">
+                <a:latin typeface="Times New Roman" panose="02020603050405020304" pitchFamily="18" charset="0"/>
+                <a:ea typeface="Times New Roman" panose="02020603050405020304" pitchFamily="18" charset="0"/>
+              </a:rPr>
+              <a:t>.</a:t>
+            </a:r>
+            <a:endParaRPr lang="en-US" sz="1100" dirty="0">
+              <a:effectLst/>
+              <a:latin typeface="Times New Roman" panose="02020603050405020304" pitchFamily="18" charset="0"/>
+              <a:ea typeface="Times New Roman" panose="02020603050405020304" pitchFamily="18" charset="0"/>
+            </a:endParaRPr>
+          </a:p>
+        </p:txBody>
+      </p:sp>
+    </p:spTree>
+    <p:extLst>
+      <p:ext uri="{BB962C8B-B14F-4D97-AF65-F5344CB8AC3E}">
+        <p14:creationId xmlns:p14="http://schemas.microsoft.com/office/powerpoint/2010/main" val="2588360003"/>
+      </p:ext>
+    </p:extLst>
+  </p:cSld>
+  <p:clrMapOvr>
+    <a:masterClrMapping/>
+  </p:clrMapOvr>
+</p:sld>
+</file>
+
+<file path=ppt/slides/slide9.xml><?xml version="1.0" encoding="utf-8"?>
+<p:sld xmlns:a="http://schemas.openxmlformats.org/drawingml/2006/main" xmlns:r="http://schemas.openxmlformats.org/officeDocument/2006/relationships" xmlns:p="http://schemas.openxmlformats.org/presentationml/2006/main">
+  <p:cSld>
+    <p:spTree>
+      <p:nvGrpSpPr>
+        <p:cNvPr id="1" name=""/>
+        <p:cNvGrpSpPr/>
+        <p:nvPr/>
+      </p:nvGrpSpPr>
+      <p:grpSpPr>
+        <a:xfrm>
+          <a:off x="0" y="0"/>
+          <a:ext cx="0" cy="0"/>
+          <a:chOff x="0" y="0"/>
+          <a:chExt cx="0" cy="0"/>
+        </a:xfrm>
+      </p:grpSpPr>
+      <p:sp>
+        <p:nvSpPr>
+          <p:cNvPr id="2" name="Заголовок 1"/>
+          <p:cNvSpPr>
+            <a:spLocks noGrp="1"/>
+          </p:cNvSpPr>
+          <p:nvPr>
+            <p:ph type="title"/>
+          </p:nvPr>
+        </p:nvSpPr>
+        <p:spPr>
+          <a:xfrm>
+            <a:off x="5326529" y="358588"/>
+            <a:ext cx="1367118" cy="752382"/>
+          </a:xfrm>
+        </p:spPr>
+        <p:txBody>
+          <a:bodyPr/>
+          <a:lstStyle/>
+          <a:p>
+            <a:r>
+              <a:rPr lang="en-US" dirty="0" smtClean="0"/>
+              <a:t>Tests</a:t>
+            </a:r>
+            <a:endParaRPr lang="en-US" dirty="0"/>
+          </a:p>
+        </p:txBody>
+      </p:sp>
+      <p:pic>
+        <p:nvPicPr>
+          <p:cNvPr id="3" name="Рисунок 2"/>
+          <p:cNvPicPr>
+            <a:picLocks noChangeAspect="1"/>
+          </p:cNvPicPr>
+          <p:nvPr/>
+        </p:nvPicPr>
+        <p:blipFill>
+          <a:blip r:embed="rId2"/>
+          <a:stretch>
+            <a:fillRect/>
+          </a:stretch>
+        </p:blipFill>
+        <p:spPr>
+          <a:xfrm>
+            <a:off x="116617" y="1325419"/>
+            <a:ext cx="6290160" cy="1716852"/>
+          </a:xfrm>
+          <a:prstGeom prst="rect">
+            <a:avLst/>
+          </a:prstGeom>
+        </p:spPr>
+      </p:pic>
+      <p:pic>
+        <p:nvPicPr>
+          <p:cNvPr id="4" name="Рисунок 3"/>
+          <p:cNvPicPr>
+            <a:picLocks noChangeAspect="1"/>
+          </p:cNvPicPr>
+          <p:nvPr/>
+        </p:nvPicPr>
+        <p:blipFill>
+          <a:blip r:embed="rId3"/>
+          <a:stretch>
+            <a:fillRect/>
+          </a:stretch>
+        </p:blipFill>
+        <p:spPr>
+          <a:xfrm>
+            <a:off x="5728525" y="3146859"/>
+            <a:ext cx="6290160" cy="1625889"/>
+          </a:xfrm>
+          <a:prstGeom prst="rect">
+            <a:avLst/>
+          </a:prstGeom>
+        </p:spPr>
+      </p:pic>
+      <p:pic>
+        <p:nvPicPr>
+          <p:cNvPr id="5" name="Рисунок 4"/>
+          <p:cNvPicPr>
+            <a:picLocks noChangeAspect="1"/>
+          </p:cNvPicPr>
+          <p:nvPr/>
+        </p:nvPicPr>
+        <p:blipFill>
+          <a:blip r:embed="rId4"/>
+          <a:stretch>
+            <a:fillRect/>
+          </a:stretch>
+        </p:blipFill>
+        <p:spPr>
+          <a:xfrm>
+            <a:off x="176382" y="4877337"/>
+            <a:ext cx="6290160" cy="1638937"/>
+          </a:xfrm>
+          <a:prstGeom prst="rect">
+            <a:avLst/>
+          </a:prstGeom>
+        </p:spPr>
+      </p:pic>
+    </p:spTree>
+    <p:extLst>
+      <p:ext uri="{BB962C8B-B14F-4D97-AF65-F5344CB8AC3E}">
+        <p14:creationId xmlns:p14="http://schemas.microsoft.com/office/powerpoint/2010/main" val="2142730666"/>
+      </p:ext>
+    </p:extLst>
   </p:cSld>
   <p:clrMapOvr>
     <a:masterClrMapping/>
